--- a/flow_diagram.pptx
+++ b/flow_diagram.pptx
@@ -105,6 +105,11 @@
       </a:defRPr>
     </a:lvl9pPr>
   </p:defaultTextStyle>
+  <p:extLst>
+    <p:ext uri="{EFAFB233-063F-42B5-8137-9DF3F51BA10A}">
+      <p15:sldGuideLst xmlns:p15="http://schemas.microsoft.com/office/powerpoint/2012/main"/>
+    </p:ext>
+  </p:extLst>
 </p:presentation>
 </file>
 
@@ -255,7 +260,7 @@
           <a:p>
             <a:fld id="{2D91B2B1-10F1-4424-BECA-2FC795F11E3C}" type="datetimeFigureOut">
               <a:rPr lang="en-US" smtClean="0"/>
-              <a:t>9/27/2023</a:t>
+              <a:t>12/27/2023</a:t>
             </a:fld>
             <a:endParaRPr lang="en-US"/>
           </a:p>
@@ -453,7 +458,7 @@
           <a:p>
             <a:fld id="{2D91B2B1-10F1-4424-BECA-2FC795F11E3C}" type="datetimeFigureOut">
               <a:rPr lang="en-US" smtClean="0"/>
-              <a:t>9/27/2023</a:t>
+              <a:t>12/27/2023</a:t>
             </a:fld>
             <a:endParaRPr lang="en-US"/>
           </a:p>
@@ -661,7 +666,7 @@
           <a:p>
             <a:fld id="{2D91B2B1-10F1-4424-BECA-2FC795F11E3C}" type="datetimeFigureOut">
               <a:rPr lang="en-US" smtClean="0"/>
-              <a:t>9/27/2023</a:t>
+              <a:t>12/27/2023</a:t>
             </a:fld>
             <a:endParaRPr lang="en-US"/>
           </a:p>
@@ -859,7 +864,7 @@
           <a:p>
             <a:fld id="{2D91B2B1-10F1-4424-BECA-2FC795F11E3C}" type="datetimeFigureOut">
               <a:rPr lang="en-US" smtClean="0"/>
-              <a:t>9/27/2023</a:t>
+              <a:t>12/27/2023</a:t>
             </a:fld>
             <a:endParaRPr lang="en-US"/>
           </a:p>
@@ -1134,7 +1139,7 @@
           <a:p>
             <a:fld id="{2D91B2B1-10F1-4424-BECA-2FC795F11E3C}" type="datetimeFigureOut">
               <a:rPr lang="en-US" smtClean="0"/>
-              <a:t>9/27/2023</a:t>
+              <a:t>12/27/2023</a:t>
             </a:fld>
             <a:endParaRPr lang="en-US"/>
           </a:p>
@@ -1399,7 +1404,7 @@
           <a:p>
             <a:fld id="{2D91B2B1-10F1-4424-BECA-2FC795F11E3C}" type="datetimeFigureOut">
               <a:rPr lang="en-US" smtClean="0"/>
-              <a:t>9/27/2023</a:t>
+              <a:t>12/27/2023</a:t>
             </a:fld>
             <a:endParaRPr lang="en-US"/>
           </a:p>
@@ -1811,7 +1816,7 @@
           <a:p>
             <a:fld id="{2D91B2B1-10F1-4424-BECA-2FC795F11E3C}" type="datetimeFigureOut">
               <a:rPr lang="en-US" smtClean="0"/>
-              <a:t>9/27/2023</a:t>
+              <a:t>12/27/2023</a:t>
             </a:fld>
             <a:endParaRPr lang="en-US"/>
           </a:p>
@@ -1952,7 +1957,7 @@
           <a:p>
             <a:fld id="{2D91B2B1-10F1-4424-BECA-2FC795F11E3C}" type="datetimeFigureOut">
               <a:rPr lang="en-US" smtClean="0"/>
-              <a:t>9/27/2023</a:t>
+              <a:t>12/27/2023</a:t>
             </a:fld>
             <a:endParaRPr lang="en-US"/>
           </a:p>
@@ -2065,7 +2070,7 @@
           <a:p>
             <a:fld id="{2D91B2B1-10F1-4424-BECA-2FC795F11E3C}" type="datetimeFigureOut">
               <a:rPr lang="en-US" smtClean="0"/>
-              <a:t>9/27/2023</a:t>
+              <a:t>12/27/2023</a:t>
             </a:fld>
             <a:endParaRPr lang="en-US"/>
           </a:p>
@@ -2376,7 +2381,7 @@
           <a:p>
             <a:fld id="{2D91B2B1-10F1-4424-BECA-2FC795F11E3C}" type="datetimeFigureOut">
               <a:rPr lang="en-US" smtClean="0"/>
-              <a:t>9/27/2023</a:t>
+              <a:t>12/27/2023</a:t>
             </a:fld>
             <a:endParaRPr lang="en-US"/>
           </a:p>
@@ -2664,7 +2669,7 @@
           <a:p>
             <a:fld id="{2D91B2B1-10F1-4424-BECA-2FC795F11E3C}" type="datetimeFigureOut">
               <a:rPr lang="en-US" smtClean="0"/>
-              <a:t>9/27/2023</a:t>
+              <a:t>12/27/2023</a:t>
             </a:fld>
             <a:endParaRPr lang="en-US"/>
           </a:p>
@@ -2905,7 +2910,7 @@
           <a:p>
             <a:fld id="{2D91B2B1-10F1-4424-BECA-2FC795F11E3C}" type="datetimeFigureOut">
               <a:rPr lang="en-US" smtClean="0"/>
-              <a:t>9/27/2023</a:t>
+              <a:t>12/27/2023</a:t>
             </a:fld>
             <a:endParaRPr lang="en-US"/>
           </a:p>
@@ -3324,10 +3329,10 @@
       </p:grpSpPr>
       <p:grpSp>
         <p:nvGrpSpPr>
-          <p:cNvPr id="97" name="Group 96">
+          <p:cNvPr id="79" name="Group 78">
             <a:extLst>
               <a:ext uri="{FF2B5EF4-FFF2-40B4-BE49-F238E27FC236}">
-                <a16:creationId xmlns:a16="http://schemas.microsoft.com/office/drawing/2014/main" id="{7C0A39EE-64BE-1420-0ACE-A2577D8D08F2}"/>
+                <a16:creationId xmlns:a16="http://schemas.microsoft.com/office/drawing/2014/main" id="{AA282375-8238-65E4-4E39-BE2A8BE58885}"/>
               </a:ext>
             </a:extLst>
           </p:cNvPr>
@@ -3336,10 +3341,10 @@
         </p:nvGrpSpPr>
         <p:grpSpPr>
           <a:xfrm>
-            <a:off x="2335846" y="695325"/>
-            <a:ext cx="8909618" cy="5293907"/>
-            <a:chOff x="2335846" y="695325"/>
-            <a:chExt cx="8909618" cy="5293907"/>
+            <a:off x="2335846" y="508986"/>
+            <a:ext cx="9269409" cy="5554735"/>
+            <a:chOff x="2335846" y="508986"/>
+            <a:chExt cx="9269409" cy="5554735"/>
           </a:xfrm>
         </p:grpSpPr>
         <p:sp>
@@ -4418,7 +4423,7 @@
           </p:nvSpPr>
           <p:spPr>
             <a:xfrm>
-              <a:off x="7143749" y="732742"/>
+              <a:off x="7143749" y="542242"/>
               <a:ext cx="735329" cy="219075"/>
             </a:xfrm>
             <a:prstGeom prst="rect">
@@ -4477,7 +4482,7 @@
           </p:nvSpPr>
           <p:spPr>
             <a:xfrm>
-              <a:off x="7890511" y="732742"/>
+              <a:off x="7890511" y="542242"/>
               <a:ext cx="735329" cy="219075"/>
             </a:xfrm>
             <a:prstGeom prst="rect">
@@ -4536,7 +4541,7 @@
           </p:nvSpPr>
           <p:spPr>
             <a:xfrm>
-              <a:off x="7147561" y="965004"/>
+              <a:off x="7147561" y="774504"/>
               <a:ext cx="365760" cy="219075"/>
             </a:xfrm>
             <a:prstGeom prst="rect">
@@ -4597,7 +4602,7 @@
           </p:nvSpPr>
           <p:spPr>
             <a:xfrm>
-              <a:off x="7520941" y="965003"/>
+              <a:off x="7520941" y="774503"/>
               <a:ext cx="361950" cy="219075"/>
             </a:xfrm>
             <a:prstGeom prst="rect">
@@ -4656,7 +4661,7 @@
           </p:nvSpPr>
           <p:spPr>
             <a:xfrm>
-              <a:off x="7890511" y="965004"/>
+              <a:off x="7890511" y="774504"/>
               <a:ext cx="365760" cy="219075"/>
             </a:xfrm>
             <a:prstGeom prst="rect">
@@ -4715,7 +4720,7 @@
           </p:nvSpPr>
           <p:spPr>
             <a:xfrm>
-              <a:off x="8263891" y="965003"/>
+              <a:off x="8263891" y="774503"/>
               <a:ext cx="361950" cy="219075"/>
             </a:xfrm>
             <a:prstGeom prst="rect">
@@ -4774,7 +4779,7 @@
           </p:nvSpPr>
           <p:spPr>
             <a:xfrm>
-              <a:off x="7143749" y="2289810"/>
+              <a:off x="7143749" y="2091690"/>
               <a:ext cx="882651" cy="219075"/>
             </a:xfrm>
             <a:prstGeom prst="rect">
@@ -4833,7 +4838,7 @@
           </p:nvSpPr>
           <p:spPr>
             <a:xfrm>
-              <a:off x="8039100" y="2289810"/>
+              <a:off x="8039100" y="2091690"/>
               <a:ext cx="586740" cy="219075"/>
             </a:xfrm>
             <a:prstGeom prst="rect">
@@ -4892,7 +4897,7 @@
           </p:nvSpPr>
           <p:spPr>
             <a:xfrm>
-              <a:off x="7143749" y="2522072"/>
+              <a:off x="7143749" y="2323952"/>
               <a:ext cx="412410" cy="219075"/>
             </a:xfrm>
             <a:prstGeom prst="rect">
@@ -4929,7 +4934,7 @@
             <a:p>
               <a:pPr algn="ctr"/>
               <a:r>
-                <a:rPr lang="en-US" sz="1400" b="1" dirty="0">
+                <a:rPr lang="en-US" sz="1200" b="1" dirty="0">
                   <a:latin typeface="Open Sans" panose="020B0606030504020204" pitchFamily="34" charset="0"/>
                   <a:ea typeface="Open Sans" panose="020B0606030504020204" pitchFamily="34" charset="0"/>
                   <a:cs typeface="Open Sans" panose="020B0606030504020204" pitchFamily="34" charset="0"/>
@@ -4953,7 +4958,7 @@
           </p:nvSpPr>
           <p:spPr>
             <a:xfrm>
-              <a:off x="7573779" y="2522071"/>
+              <a:off x="7573779" y="2323951"/>
               <a:ext cx="302281" cy="219075"/>
             </a:xfrm>
             <a:prstGeom prst="rect">
@@ -5009,7 +5014,7 @@
           </p:nvSpPr>
           <p:spPr>
             <a:xfrm>
-              <a:off x="7893679" y="2522072"/>
+              <a:off x="7893679" y="2323952"/>
               <a:ext cx="302281" cy="219075"/>
             </a:xfrm>
             <a:prstGeom prst="rect">
@@ -5065,7 +5070,7 @@
           </p:nvSpPr>
           <p:spPr>
             <a:xfrm>
-              <a:off x="8213580" y="2522071"/>
+              <a:off x="8213580" y="2323951"/>
               <a:ext cx="413692" cy="219075"/>
             </a:xfrm>
             <a:prstGeom prst="rect">
@@ -5100,7 +5105,7 @@
             <a:p>
               <a:pPr algn="ctr"/>
               <a:r>
-                <a:rPr lang="en-US" sz="1400" b="1" dirty="0">
+                <a:rPr lang="en-US" sz="1200" b="1" dirty="0">
                   <a:latin typeface="Open Sans" panose="020B0606030504020204" pitchFamily="34" charset="0"/>
                   <a:ea typeface="Open Sans" panose="020B0606030504020204" pitchFamily="34" charset="0"/>
                   <a:cs typeface="Open Sans" panose="020B0606030504020204" pitchFamily="34" charset="0"/>
@@ -5124,8 +5129,8 @@
           </p:nvSpPr>
           <p:spPr>
             <a:xfrm>
-              <a:off x="7547611" y="2500297"/>
-              <a:ext cx="1173479" cy="276999"/>
+              <a:off x="7547612" y="2302177"/>
+              <a:ext cx="708660" cy="276999"/>
             </a:xfrm>
             <a:prstGeom prst="rect">
               <a:avLst/>
@@ -5188,7 +5193,7 @@
           </p:nvSpPr>
           <p:spPr>
             <a:xfrm>
-              <a:off x="8625839" y="1168689"/>
+              <a:off x="8625839" y="978189"/>
               <a:ext cx="1055898" cy="261610"/>
             </a:xfrm>
             <a:prstGeom prst="rect">
@@ -5233,8 +5238,8 @@
           </p:nvSpPr>
           <p:spPr>
             <a:xfrm>
-              <a:off x="8625839" y="936040"/>
-              <a:ext cx="770053" cy="261610"/>
+              <a:off x="8625839" y="745540"/>
+              <a:ext cx="2619625" cy="261610"/>
             </a:xfrm>
             <a:prstGeom prst="rect">
               <a:avLst/>
@@ -5259,8 +5264,33 @@
                   <a:ea typeface="Open Sans" panose="020B0606030504020204" pitchFamily="34" charset="0"/>
                   <a:cs typeface="Open Sans" panose="020B0606030504020204" pitchFamily="34" charset="0"/>
                 </a:rPr>
-                <a:t>Race, %</a:t>
-              </a:r>
+                <a:t>Race, % </a:t>
+              </a:r>
+              <a:r>
+                <a:rPr lang="en-US" sz="1000" dirty="0">
+                  <a:solidFill>
+                    <a:schemeClr val="tx1">
+                      <a:lumMod val="85000"/>
+                      <a:lumOff val="15000"/>
+                    </a:schemeClr>
+                  </a:solidFill>
+                  <a:latin typeface="Open Sans" panose="020B0606030504020204" pitchFamily="34" charset="0"/>
+                  <a:ea typeface="Open Sans" panose="020B0606030504020204" pitchFamily="34" charset="0"/>
+                  <a:cs typeface="Open Sans" panose="020B0606030504020204" pitchFamily="34" charset="0"/>
+                </a:rPr>
+                <a:t>(Black, Hispanic, Asian, White)</a:t>
+              </a:r>
+              <a:endParaRPr lang="en-US" sz="1100" b="1" dirty="0">
+                <a:solidFill>
+                  <a:schemeClr val="tx1">
+                    <a:lumMod val="85000"/>
+                    <a:lumOff val="15000"/>
+                  </a:schemeClr>
+                </a:solidFill>
+                <a:latin typeface="Open Sans" panose="020B0606030504020204" pitchFamily="34" charset="0"/>
+                <a:ea typeface="Open Sans" panose="020B0606030504020204" pitchFamily="34" charset="0"/>
+                <a:cs typeface="Open Sans" panose="020B0606030504020204" pitchFamily="34" charset="0"/>
+              </a:endParaRPr>
             </a:p>
           </p:txBody>
         </p:sp>
@@ -5278,8 +5308,8 @@
           </p:nvSpPr>
           <p:spPr>
             <a:xfrm>
-              <a:off x="8625840" y="699486"/>
-              <a:ext cx="735328" cy="261610"/>
+              <a:off x="8625840" y="508986"/>
+              <a:ext cx="2140778" cy="261610"/>
             </a:xfrm>
             <a:prstGeom prst="rect">
               <a:avLst/>
@@ -5304,8 +5334,33 @@
                   <a:ea typeface="Open Sans" panose="020B0606030504020204" pitchFamily="34" charset="0"/>
                   <a:cs typeface="Open Sans" panose="020B0606030504020204" pitchFamily="34" charset="0"/>
                 </a:rPr>
-                <a:t>Sex, %</a:t>
-              </a:r>
+                <a:t>Sex, % </a:t>
+              </a:r>
+              <a:r>
+                <a:rPr lang="en-US" sz="1000" dirty="0">
+                  <a:solidFill>
+                    <a:schemeClr val="tx1">
+                      <a:lumMod val="85000"/>
+                      <a:lumOff val="15000"/>
+                    </a:schemeClr>
+                  </a:solidFill>
+                  <a:latin typeface="Open Sans" panose="020B0606030504020204" pitchFamily="34" charset="0"/>
+                  <a:ea typeface="Open Sans" panose="020B0606030504020204" pitchFamily="34" charset="0"/>
+                  <a:cs typeface="Open Sans" panose="020B0606030504020204" pitchFamily="34" charset="0"/>
+                </a:rPr>
+                <a:t>(Female, Male)</a:t>
+              </a:r>
+              <a:endParaRPr lang="en-US" sz="1100" dirty="0">
+                <a:solidFill>
+                  <a:schemeClr val="tx1">
+                    <a:lumMod val="85000"/>
+                    <a:lumOff val="15000"/>
+                  </a:schemeClr>
+                </a:solidFill>
+                <a:latin typeface="Open Sans" panose="020B0606030504020204" pitchFamily="34" charset="0"/>
+                <a:ea typeface="Open Sans" panose="020B0606030504020204" pitchFamily="34" charset="0"/>
+                <a:cs typeface="Open Sans" panose="020B0606030504020204" pitchFamily="34" charset="0"/>
+              </a:endParaRPr>
             </a:p>
           </p:txBody>
         </p:sp>
@@ -5323,7 +5378,7 @@
           </p:nvSpPr>
           <p:spPr>
             <a:xfrm>
-              <a:off x="7143749" y="1193991"/>
+              <a:off x="7143749" y="1011111"/>
               <a:ext cx="1482090" cy="219075"/>
             </a:xfrm>
             <a:prstGeom prst="rect">
@@ -5381,7 +5436,7 @@
           </p:nvSpPr>
           <p:spPr>
             <a:xfrm>
-              <a:off x="7111765" y="1170863"/>
+              <a:off x="7111765" y="980363"/>
               <a:ext cx="1528589" cy="261610"/>
             </a:xfrm>
             <a:prstGeom prst="rect">
@@ -5429,7 +5484,7 @@
           </p:nvSpPr>
           <p:spPr>
             <a:xfrm>
-              <a:off x="7143748" y="2758208"/>
+              <a:off x="7143748" y="2560088"/>
               <a:ext cx="1482090" cy="219075"/>
             </a:xfrm>
             <a:prstGeom prst="rect">
@@ -5487,7 +5542,7 @@
           </p:nvSpPr>
           <p:spPr>
             <a:xfrm>
-              <a:off x="7111764" y="2735080"/>
+              <a:off x="7111764" y="2536960"/>
               <a:ext cx="1528589" cy="261610"/>
             </a:xfrm>
             <a:prstGeom prst="rect">
@@ -5535,7 +5590,7 @@
           </p:nvSpPr>
           <p:spPr>
             <a:xfrm>
-              <a:off x="7143750" y="3710829"/>
+              <a:off x="7143750" y="3614309"/>
               <a:ext cx="882651" cy="219075"/>
             </a:xfrm>
             <a:prstGeom prst="rect">
@@ -5594,7 +5649,7 @@
           </p:nvSpPr>
           <p:spPr>
             <a:xfrm>
-              <a:off x="8039101" y="3710829"/>
+              <a:off x="8039101" y="3614309"/>
               <a:ext cx="586740" cy="219075"/>
             </a:xfrm>
             <a:prstGeom prst="rect">
@@ -5653,7 +5708,7 @@
           </p:nvSpPr>
           <p:spPr>
             <a:xfrm>
-              <a:off x="7143750" y="3943091"/>
+              <a:off x="7143750" y="3846571"/>
               <a:ext cx="412410" cy="219075"/>
             </a:xfrm>
             <a:prstGeom prst="rect">
@@ -5690,7 +5745,7 @@
             <a:p>
               <a:pPr algn="ctr"/>
               <a:r>
-                <a:rPr lang="en-US" sz="1400" b="1" dirty="0">
+                <a:rPr lang="en-US" sz="1200" b="1" dirty="0">
                   <a:latin typeface="Open Sans" panose="020B0606030504020204" pitchFamily="34" charset="0"/>
                   <a:ea typeface="Open Sans" panose="020B0606030504020204" pitchFamily="34" charset="0"/>
                   <a:cs typeface="Open Sans" panose="020B0606030504020204" pitchFamily="34" charset="0"/>
@@ -5714,7 +5769,7 @@
           </p:nvSpPr>
           <p:spPr>
             <a:xfrm>
-              <a:off x="7573780" y="3943090"/>
+              <a:off x="7573780" y="3846570"/>
               <a:ext cx="302281" cy="219075"/>
             </a:xfrm>
             <a:prstGeom prst="rect">
@@ -5770,7 +5825,7 @@
           </p:nvSpPr>
           <p:spPr>
             <a:xfrm>
-              <a:off x="7893680" y="3943091"/>
+              <a:off x="7893680" y="3846571"/>
               <a:ext cx="302281" cy="219075"/>
             </a:xfrm>
             <a:prstGeom prst="rect">
@@ -5826,7 +5881,7 @@
           </p:nvSpPr>
           <p:spPr>
             <a:xfrm>
-              <a:off x="8213581" y="3943090"/>
+              <a:off x="8213581" y="3846570"/>
               <a:ext cx="413692" cy="219075"/>
             </a:xfrm>
             <a:prstGeom prst="rect">
@@ -5861,7 +5916,7 @@
             <a:p>
               <a:pPr algn="ctr"/>
               <a:r>
-                <a:rPr lang="en-US" sz="1400" b="1" dirty="0">
+                <a:rPr lang="en-US" sz="1200" b="1" dirty="0">
                   <a:latin typeface="Open Sans" panose="020B0606030504020204" pitchFamily="34" charset="0"/>
                   <a:ea typeface="Open Sans" panose="020B0606030504020204" pitchFamily="34" charset="0"/>
                   <a:cs typeface="Open Sans" panose="020B0606030504020204" pitchFamily="34" charset="0"/>
@@ -5885,7 +5940,7 @@
           </p:nvSpPr>
           <p:spPr>
             <a:xfrm>
-              <a:off x="7547612" y="3921316"/>
+              <a:off x="7547612" y="3824796"/>
               <a:ext cx="716279" cy="276999"/>
             </a:xfrm>
             <a:prstGeom prst="rect">
@@ -5949,7 +6004,7 @@
           </p:nvSpPr>
           <p:spPr>
             <a:xfrm>
-              <a:off x="7143749" y="4179227"/>
+              <a:off x="7143749" y="4082707"/>
               <a:ext cx="1482090" cy="219075"/>
             </a:xfrm>
             <a:prstGeom prst="rect">
@@ -6007,7 +6062,7 @@
           </p:nvSpPr>
           <p:spPr>
             <a:xfrm>
-              <a:off x="7111765" y="4156099"/>
+              <a:off x="7111765" y="4059579"/>
               <a:ext cx="1528589" cy="253916"/>
             </a:xfrm>
             <a:prstGeom prst="rect">
@@ -6055,7 +6110,7 @@
           </p:nvSpPr>
           <p:spPr>
             <a:xfrm>
-              <a:off x="7138029" y="5282352"/>
+              <a:off x="7138029" y="5140112"/>
               <a:ext cx="882651" cy="219075"/>
             </a:xfrm>
             <a:prstGeom prst="rect">
@@ -6114,7 +6169,7 @@
           </p:nvSpPr>
           <p:spPr>
             <a:xfrm>
-              <a:off x="8033380" y="5282352"/>
+              <a:off x="8033380" y="5140112"/>
               <a:ext cx="586740" cy="219075"/>
             </a:xfrm>
             <a:prstGeom prst="rect">
@@ -6161,10 +6216,10 @@
         </p:sp>
         <p:sp>
           <p:nvSpPr>
-            <p:cNvPr id="64" name="Rectangle 63">
-              <a:extLst>
-                <a:ext uri="{FF2B5EF4-FFF2-40B4-BE49-F238E27FC236}">
-                  <a16:creationId xmlns:a16="http://schemas.microsoft.com/office/drawing/2014/main" id="{BA0519EF-14FA-5642-2555-C2A06B351FA7}"/>
+            <p:cNvPr id="69" name="Rectangle 68">
+              <a:extLst>
+                <a:ext uri="{FF2B5EF4-FFF2-40B4-BE49-F238E27FC236}">
+                  <a16:creationId xmlns:a16="http://schemas.microsoft.com/office/drawing/2014/main" id="{363F05C1-2984-141E-171F-C36E47F9FB4D}"/>
                 </a:ext>
               </a:extLst>
             </p:cNvPr>
@@ -6173,15 +6228,15 @@
           </p:nvSpPr>
           <p:spPr>
             <a:xfrm>
-              <a:off x="7138029" y="5514614"/>
-              <a:ext cx="435750" cy="219075"/>
+              <a:off x="7138028" y="5608510"/>
+              <a:ext cx="1482090" cy="219075"/>
             </a:xfrm>
             <a:prstGeom prst="rect">
               <a:avLst/>
             </a:prstGeom>
             <a:solidFill>
               <a:schemeClr val="bg1">
-                <a:lumMod val="65000"/>
+                <a:lumMod val="95000"/>
               </a:schemeClr>
             </a:solidFill>
             <a:ln>
@@ -6209,23 +6264,185 @@
             <a:lstStyle/>
             <a:p>
               <a:pPr algn="ctr"/>
-              <a:r>
-                <a:rPr lang="en-US" sz="1400" b="1" dirty="0">
-                  <a:latin typeface="Open Sans" panose="020B0606030504020204" pitchFamily="34" charset="0"/>
-                  <a:ea typeface="Open Sans" panose="020B0606030504020204" pitchFamily="34" charset="0"/>
-                  <a:cs typeface="Open Sans" panose="020B0606030504020204" pitchFamily="34" charset="0"/>
-                </a:rPr>
-                <a:t>30</a:t>
-              </a:r>
-            </a:p>
-          </p:txBody>
-        </p:sp>
-        <p:sp>
-          <p:nvSpPr>
-            <p:cNvPr id="65" name="Rectangle 64">
-              <a:extLst>
-                <a:ext uri="{FF2B5EF4-FFF2-40B4-BE49-F238E27FC236}">
-                  <a16:creationId xmlns:a16="http://schemas.microsoft.com/office/drawing/2014/main" id="{6EFB65F0-6D00-25B6-AD7E-1821E4E9CD88}"/>
+              <a:endParaRPr lang="en-US" sz="1400" b="1" dirty="0">
+                <a:latin typeface="Open Sans" panose="020B0606030504020204" pitchFamily="34" charset="0"/>
+                <a:ea typeface="Open Sans" panose="020B0606030504020204" pitchFamily="34" charset="0"/>
+                <a:cs typeface="Open Sans" panose="020B0606030504020204" pitchFamily="34" charset="0"/>
+              </a:endParaRPr>
+            </a:p>
+          </p:txBody>
+        </p:sp>
+        <p:sp>
+          <p:nvSpPr>
+            <p:cNvPr id="70" name="TextBox 69">
+              <a:extLst>
+                <a:ext uri="{FF2B5EF4-FFF2-40B4-BE49-F238E27FC236}">
+                  <a16:creationId xmlns:a16="http://schemas.microsoft.com/office/drawing/2014/main" id="{F08A7998-4E4F-E993-1999-073465360929}"/>
+                </a:ext>
+              </a:extLst>
+            </p:cNvPr>
+            <p:cNvSpPr txBox="1"/>
+            <p:nvPr/>
+          </p:nvSpPr>
+          <p:spPr>
+            <a:xfrm>
+              <a:off x="7106044" y="5585382"/>
+              <a:ext cx="1528589" cy="261610"/>
+            </a:xfrm>
+            <a:prstGeom prst="rect">
+              <a:avLst/>
+            </a:prstGeom>
+            <a:noFill/>
+          </p:spPr>
+          <p:txBody>
+            <a:bodyPr wrap="square" rtlCol="0">
+              <a:spAutoFit/>
+            </a:bodyPr>
+            <a:lstStyle/>
+            <a:p>
+              <a:pPr algn="ctr"/>
+              <a:r>
+                <a:rPr lang="en-US" sz="1100" b="1" dirty="0">
+                  <a:latin typeface="Open Sans" panose="020B0606030504020204" pitchFamily="34" charset="0"/>
+                  <a:ea typeface="Open Sans" panose="020B0606030504020204" pitchFamily="34" charset="0"/>
+                  <a:cs typeface="Open Sans" panose="020B0606030504020204" pitchFamily="34" charset="0"/>
+                </a:rPr>
+                <a:t>62</a:t>
+              </a:r>
+              <a:r>
+                <a:rPr lang="en-US" sz="1100" dirty="0">
+                  <a:latin typeface="Open Sans" panose="020B0606030504020204" pitchFamily="34" charset="0"/>
+                  <a:ea typeface="Open Sans" panose="020B0606030504020204" pitchFamily="34" charset="0"/>
+                  <a:cs typeface="Open Sans" panose="020B0606030504020204" pitchFamily="34" charset="0"/>
+                </a:rPr>
+                <a:t> [59 –63]</a:t>
+              </a:r>
+            </a:p>
+          </p:txBody>
+        </p:sp>
+        <p:sp>
+          <p:nvSpPr>
+            <p:cNvPr id="71" name="TextBox 70">
+              <a:extLst>
+                <a:ext uri="{FF2B5EF4-FFF2-40B4-BE49-F238E27FC236}">
+                  <a16:creationId xmlns:a16="http://schemas.microsoft.com/office/drawing/2014/main" id="{98D31612-505E-6BC8-C2C5-79793481404D}"/>
+                </a:ext>
+              </a:extLst>
+            </p:cNvPr>
+            <p:cNvSpPr txBox="1"/>
+            <p:nvPr/>
+          </p:nvSpPr>
+          <p:spPr>
+            <a:xfrm>
+              <a:off x="8625840" y="2302177"/>
+              <a:ext cx="299721" cy="276999"/>
+            </a:xfrm>
+            <a:prstGeom prst="rect">
+              <a:avLst/>
+            </a:prstGeom>
+            <a:noFill/>
+          </p:spPr>
+          <p:txBody>
+            <a:bodyPr wrap="square" rtlCol="0">
+              <a:spAutoFit/>
+            </a:bodyPr>
+            <a:lstStyle/>
+            <a:p>
+              <a:r>
+                <a:rPr lang="en-US" sz="1200" b="1" dirty="0">
+                  <a:latin typeface="Open Sans" panose="020B0606030504020204" pitchFamily="34" charset="0"/>
+                  <a:ea typeface="Open Sans" panose="020B0606030504020204" pitchFamily="34" charset="0"/>
+                  <a:cs typeface="Open Sans" panose="020B0606030504020204" pitchFamily="34" charset="0"/>
+                </a:rPr>
+                <a:t>*</a:t>
+              </a:r>
+            </a:p>
+          </p:txBody>
+        </p:sp>
+        <p:sp>
+          <p:nvSpPr>
+            <p:cNvPr id="72" name="TextBox 71">
+              <a:extLst>
+                <a:ext uri="{FF2B5EF4-FFF2-40B4-BE49-F238E27FC236}">
+                  <a16:creationId xmlns:a16="http://schemas.microsoft.com/office/drawing/2014/main" id="{F7A4945F-4AD9-C4F9-1878-76988EFCA396}"/>
+                </a:ext>
+              </a:extLst>
+            </p:cNvPr>
+            <p:cNvSpPr txBox="1"/>
+            <p:nvPr/>
+          </p:nvSpPr>
+          <p:spPr>
+            <a:xfrm>
+              <a:off x="8625840" y="2106271"/>
+              <a:ext cx="299721" cy="276999"/>
+            </a:xfrm>
+            <a:prstGeom prst="rect">
+              <a:avLst/>
+            </a:prstGeom>
+            <a:noFill/>
+          </p:spPr>
+          <p:txBody>
+            <a:bodyPr wrap="square" rtlCol="0">
+              <a:spAutoFit/>
+            </a:bodyPr>
+            <a:lstStyle/>
+            <a:p>
+              <a:r>
+                <a:rPr lang="en-US" sz="1200" b="1" dirty="0">
+                  <a:latin typeface="Open Sans" panose="020B0606030504020204" pitchFamily="34" charset="0"/>
+                  <a:ea typeface="Open Sans" panose="020B0606030504020204" pitchFamily="34" charset="0"/>
+                  <a:cs typeface="Open Sans" panose="020B0606030504020204" pitchFamily="34" charset="0"/>
+                </a:rPr>
+                <a:t>*</a:t>
+              </a:r>
+            </a:p>
+          </p:txBody>
+        </p:sp>
+        <p:sp>
+          <p:nvSpPr>
+            <p:cNvPr id="73" name="TextBox 72">
+              <a:extLst>
+                <a:ext uri="{FF2B5EF4-FFF2-40B4-BE49-F238E27FC236}">
+                  <a16:creationId xmlns:a16="http://schemas.microsoft.com/office/drawing/2014/main" id="{4AA013D1-6DCC-C54B-7E37-28BFDC9F84BB}"/>
+                </a:ext>
+              </a:extLst>
+            </p:cNvPr>
+            <p:cNvSpPr txBox="1"/>
+            <p:nvPr/>
+          </p:nvSpPr>
+          <p:spPr>
+            <a:xfrm>
+              <a:off x="8625840" y="4082397"/>
+              <a:ext cx="299717" cy="276999"/>
+            </a:xfrm>
+            <a:prstGeom prst="rect">
+              <a:avLst/>
+            </a:prstGeom>
+            <a:noFill/>
+          </p:spPr>
+          <p:txBody>
+            <a:bodyPr wrap="square" rtlCol="0">
+              <a:spAutoFit/>
+            </a:bodyPr>
+            <a:lstStyle/>
+            <a:p>
+              <a:r>
+                <a:rPr lang="en-US" sz="1200" b="1" dirty="0">
+                  <a:latin typeface="Open Sans" panose="020B0606030504020204" pitchFamily="34" charset="0"/>
+                  <a:ea typeface="Open Sans" panose="020B0606030504020204" pitchFamily="34" charset="0"/>
+                  <a:cs typeface="Open Sans" panose="020B0606030504020204" pitchFamily="34" charset="0"/>
+                </a:rPr>
+                <a:t>*</a:t>
+              </a:r>
+            </a:p>
+          </p:txBody>
+        </p:sp>
+        <p:sp>
+          <p:nvSpPr>
+            <p:cNvPr id="75" name="Rectangle 74">
+              <a:extLst>
+                <a:ext uri="{FF2B5EF4-FFF2-40B4-BE49-F238E27FC236}">
+                  <a16:creationId xmlns:a16="http://schemas.microsoft.com/office/drawing/2014/main" id="{CF940D36-1243-887A-CB6A-1F3BBE1D887A}"/>
                 </a:ext>
               </a:extLst>
             </p:cNvPr>
@@ -6234,8 +6451,197 @@
           </p:nvSpPr>
           <p:spPr>
             <a:xfrm>
-              <a:off x="7582788" y="5514613"/>
-              <a:ext cx="586740" cy="219075"/>
+              <a:off x="9395895" y="2508606"/>
+              <a:ext cx="796758" cy="219075"/>
+            </a:xfrm>
+            <a:prstGeom prst="rect">
+              <a:avLst/>
+            </a:prstGeom>
+            <a:solidFill>
+              <a:srgbClr val="C00000"/>
+            </a:solidFill>
+            <a:ln>
+              <a:noFill/>
+            </a:ln>
+          </p:spPr>
+          <p:style>
+            <a:lnRef idx="2">
+              <a:schemeClr val="accent1">
+                <a:shade val="15000"/>
+              </a:schemeClr>
+            </a:lnRef>
+            <a:fillRef idx="1">
+              <a:schemeClr val="accent1"/>
+            </a:fillRef>
+            <a:effectRef idx="0">
+              <a:schemeClr val="accent1"/>
+            </a:effectRef>
+            <a:fontRef idx="minor">
+              <a:schemeClr val="lt1"/>
+            </a:fontRef>
+          </p:style>
+          <p:txBody>
+            <a:bodyPr rtlCol="0" anchor="ctr"/>
+            <a:lstStyle/>
+            <a:p>
+              <a:pPr algn="ctr"/>
+              <a:r>
+                <a:rPr lang="en-US" sz="1200" dirty="0">
+                  <a:latin typeface="Open Sans" panose="020B0606030504020204" pitchFamily="34" charset="0"/>
+                  <a:ea typeface="Open Sans" panose="020B0606030504020204" pitchFamily="34" charset="0"/>
+                  <a:cs typeface="Open Sans" panose="020B0606030504020204" pitchFamily="34" charset="0"/>
+                </a:rPr>
+                <a:t>Female</a:t>
+              </a:r>
+              <a:endParaRPr lang="en-US" sz="1100" dirty="0">
+                <a:latin typeface="Open Sans" panose="020B0606030504020204" pitchFamily="34" charset="0"/>
+                <a:ea typeface="Open Sans" panose="020B0606030504020204" pitchFamily="34" charset="0"/>
+                <a:cs typeface="Open Sans" panose="020B0606030504020204" pitchFamily="34" charset="0"/>
+              </a:endParaRPr>
+            </a:p>
+          </p:txBody>
+        </p:sp>
+        <p:sp>
+          <p:nvSpPr>
+            <p:cNvPr id="76" name="Rectangle 75">
+              <a:extLst>
+                <a:ext uri="{FF2B5EF4-FFF2-40B4-BE49-F238E27FC236}">
+                  <a16:creationId xmlns:a16="http://schemas.microsoft.com/office/drawing/2014/main" id="{25B650AA-BC7E-7574-C344-C06F3F326E4A}"/>
+                </a:ext>
+              </a:extLst>
+            </p:cNvPr>
+            <p:cNvSpPr/>
+            <p:nvPr/>
+          </p:nvSpPr>
+          <p:spPr>
+            <a:xfrm>
+              <a:off x="9395894" y="2778516"/>
+              <a:ext cx="796758" cy="219075"/>
+            </a:xfrm>
+            <a:prstGeom prst="rect">
+              <a:avLst/>
+            </a:prstGeom>
+            <a:solidFill>
+              <a:srgbClr val="002060"/>
+            </a:solidFill>
+            <a:ln>
+              <a:noFill/>
+            </a:ln>
+          </p:spPr>
+          <p:style>
+            <a:lnRef idx="2">
+              <a:schemeClr val="accent1">
+                <a:shade val="15000"/>
+              </a:schemeClr>
+            </a:lnRef>
+            <a:fillRef idx="1">
+              <a:schemeClr val="accent1"/>
+            </a:fillRef>
+            <a:effectRef idx="0">
+              <a:schemeClr val="accent1"/>
+            </a:effectRef>
+            <a:fontRef idx="minor">
+              <a:schemeClr val="lt1"/>
+            </a:fontRef>
+          </p:style>
+          <p:txBody>
+            <a:bodyPr rtlCol="0" anchor="ctr"/>
+            <a:lstStyle/>
+            <a:p>
+              <a:pPr algn="ctr"/>
+              <a:r>
+                <a:rPr lang="en-US" sz="1200" dirty="0">
+                  <a:latin typeface="Open Sans" panose="020B0606030504020204" pitchFamily="34" charset="0"/>
+                  <a:ea typeface="Open Sans" panose="020B0606030504020204" pitchFamily="34" charset="0"/>
+                  <a:cs typeface="Open Sans" panose="020B0606030504020204" pitchFamily="34" charset="0"/>
+                </a:rPr>
+                <a:t>Male</a:t>
+              </a:r>
+              <a:endParaRPr lang="en-US" sz="1100" dirty="0">
+                <a:latin typeface="Open Sans" panose="020B0606030504020204" pitchFamily="34" charset="0"/>
+                <a:ea typeface="Open Sans" panose="020B0606030504020204" pitchFamily="34" charset="0"/>
+                <a:cs typeface="Open Sans" panose="020B0606030504020204" pitchFamily="34" charset="0"/>
+              </a:endParaRPr>
+            </a:p>
+          </p:txBody>
+        </p:sp>
+        <p:sp>
+          <p:nvSpPr>
+            <p:cNvPr id="77" name="Rectangle 76">
+              <a:extLst>
+                <a:ext uri="{FF2B5EF4-FFF2-40B4-BE49-F238E27FC236}">
+                  <a16:creationId xmlns:a16="http://schemas.microsoft.com/office/drawing/2014/main" id="{7AA82150-0065-57B2-6037-B9694C63828C}"/>
+                </a:ext>
+              </a:extLst>
+            </p:cNvPr>
+            <p:cNvSpPr/>
+            <p:nvPr/>
+          </p:nvSpPr>
+          <p:spPr>
+            <a:xfrm>
+              <a:off x="9395893" y="3048426"/>
+              <a:ext cx="796754" cy="219075"/>
+            </a:xfrm>
+            <a:prstGeom prst="rect">
+              <a:avLst/>
+            </a:prstGeom>
+            <a:solidFill>
+              <a:schemeClr val="bg1">
+                <a:lumMod val="65000"/>
+              </a:schemeClr>
+            </a:solidFill>
+            <a:ln>
+              <a:noFill/>
+            </a:ln>
+          </p:spPr>
+          <p:style>
+            <a:lnRef idx="2">
+              <a:schemeClr val="accent1">
+                <a:shade val="15000"/>
+              </a:schemeClr>
+            </a:lnRef>
+            <a:fillRef idx="1">
+              <a:schemeClr val="accent1"/>
+            </a:fillRef>
+            <a:effectRef idx="0">
+              <a:schemeClr val="accent1"/>
+            </a:effectRef>
+            <a:fontRef idx="minor">
+              <a:schemeClr val="lt1"/>
+            </a:fontRef>
+          </p:style>
+          <p:txBody>
+            <a:bodyPr rtlCol="0" anchor="ctr"/>
+            <a:lstStyle/>
+            <a:p>
+              <a:pPr algn="ctr"/>
+              <a:r>
+                <a:rPr lang="en-US" sz="1200" dirty="0">
+                  <a:latin typeface="Open Sans" panose="020B0606030504020204" pitchFamily="34" charset="0"/>
+                  <a:ea typeface="Open Sans" panose="020B0606030504020204" pitchFamily="34" charset="0"/>
+                  <a:cs typeface="Open Sans" panose="020B0606030504020204" pitchFamily="34" charset="0"/>
+                </a:rPr>
+                <a:t>Black</a:t>
+              </a:r>
+            </a:p>
+          </p:txBody>
+        </p:sp>
+        <p:sp>
+          <p:nvSpPr>
+            <p:cNvPr id="84" name="Rectangle 83">
+              <a:extLst>
+                <a:ext uri="{FF2B5EF4-FFF2-40B4-BE49-F238E27FC236}">
+                  <a16:creationId xmlns:a16="http://schemas.microsoft.com/office/drawing/2014/main" id="{69D551A1-0905-107B-E6FF-43FC5EBDC952}"/>
+                </a:ext>
+              </a:extLst>
+            </p:cNvPr>
+            <p:cNvSpPr/>
+            <p:nvPr/>
+          </p:nvSpPr>
+          <p:spPr>
+            <a:xfrm>
+              <a:off x="10255705" y="3054515"/>
+              <a:ext cx="796758" cy="219075"/>
             </a:xfrm>
             <a:prstGeom prst="rect">
               <a:avLst/>
@@ -6269,22 +6675,22 @@
             <a:p>
               <a:pPr algn="ctr"/>
               <a:r>
-                <a:rPr lang="en-US" sz="1200" b="1" dirty="0">
-                  <a:latin typeface="Open Sans" panose="020B0606030504020204" pitchFamily="34" charset="0"/>
-                  <a:ea typeface="Open Sans" panose="020B0606030504020204" pitchFamily="34" charset="0"/>
-                  <a:cs typeface="Open Sans" panose="020B0606030504020204" pitchFamily="34" charset="0"/>
-                </a:rPr>
-                <a:t>40</a:t>
-              </a:r>
-            </a:p>
-          </p:txBody>
-        </p:sp>
-        <p:sp>
-          <p:nvSpPr>
-            <p:cNvPr id="67" name="Rectangle 66">
-              <a:extLst>
-                <a:ext uri="{FF2B5EF4-FFF2-40B4-BE49-F238E27FC236}">
-                  <a16:creationId xmlns:a16="http://schemas.microsoft.com/office/drawing/2014/main" id="{B2A74142-B2AC-87C8-1B2C-0F1E4B69BA81}"/>
+                <a:rPr lang="en-US" sz="1100" dirty="0">
+                  <a:latin typeface="Open Sans" panose="020B0606030504020204" pitchFamily="34" charset="0"/>
+                  <a:ea typeface="Open Sans" panose="020B0606030504020204" pitchFamily="34" charset="0"/>
+                  <a:cs typeface="Open Sans" panose="020B0606030504020204" pitchFamily="34" charset="0"/>
+                </a:rPr>
+                <a:t>Hispanic</a:t>
+              </a:r>
+            </a:p>
+          </p:txBody>
+        </p:sp>
+        <p:sp>
+          <p:nvSpPr>
+            <p:cNvPr id="85" name="Rectangle 84">
+              <a:extLst>
+                <a:ext uri="{FF2B5EF4-FFF2-40B4-BE49-F238E27FC236}">
+                  <a16:creationId xmlns:a16="http://schemas.microsoft.com/office/drawing/2014/main" id="{47B01072-ED83-270B-63DB-7D1D71425024}"/>
                 </a:ext>
               </a:extLst>
             </p:cNvPr>
@@ -6293,8 +6699,72 @@
           </p:nvSpPr>
           <p:spPr>
             <a:xfrm>
-              <a:off x="8178537" y="5514613"/>
-              <a:ext cx="443014" cy="219075"/>
+              <a:off x="10255710" y="2508606"/>
+              <a:ext cx="796758" cy="219075"/>
+            </a:xfrm>
+            <a:prstGeom prst="rect">
+              <a:avLst/>
+            </a:prstGeom>
+            <a:solidFill>
+              <a:schemeClr val="accent1"/>
+            </a:solidFill>
+            <a:ln>
+              <a:noFill/>
+            </a:ln>
+          </p:spPr>
+          <p:style>
+            <a:lnRef idx="2">
+              <a:schemeClr val="accent1">
+                <a:shade val="15000"/>
+              </a:schemeClr>
+            </a:lnRef>
+            <a:fillRef idx="1">
+              <a:schemeClr val="accent1"/>
+            </a:fillRef>
+            <a:effectRef idx="0">
+              <a:schemeClr val="accent1"/>
+            </a:effectRef>
+            <a:fontRef idx="minor">
+              <a:schemeClr val="lt1"/>
+            </a:fontRef>
+          </p:style>
+          <p:txBody>
+            <a:bodyPr rtlCol="0" anchor="ctr"/>
+            <a:lstStyle/>
+            <a:p>
+              <a:pPr algn="ctr"/>
+              <a:r>
+                <a:rPr lang="en-US" sz="1200" dirty="0">
+                  <a:latin typeface="Open Sans" panose="020B0606030504020204" pitchFamily="34" charset="0"/>
+                  <a:ea typeface="Open Sans" panose="020B0606030504020204" pitchFamily="34" charset="0"/>
+                  <a:cs typeface="Open Sans" panose="020B0606030504020204" pitchFamily="34" charset="0"/>
+                </a:rPr>
+                <a:t>Asian</a:t>
+              </a:r>
+              <a:endParaRPr lang="en-US" sz="1100" dirty="0">
+                <a:latin typeface="Open Sans" panose="020B0606030504020204" pitchFamily="34" charset="0"/>
+                <a:ea typeface="Open Sans" panose="020B0606030504020204" pitchFamily="34" charset="0"/>
+                <a:cs typeface="Open Sans" panose="020B0606030504020204" pitchFamily="34" charset="0"/>
+              </a:endParaRPr>
+            </a:p>
+          </p:txBody>
+        </p:sp>
+        <p:sp>
+          <p:nvSpPr>
+            <p:cNvPr id="86" name="Rectangle 85">
+              <a:extLst>
+                <a:ext uri="{FF2B5EF4-FFF2-40B4-BE49-F238E27FC236}">
+                  <a16:creationId xmlns:a16="http://schemas.microsoft.com/office/drawing/2014/main" id="{4D6B78DD-824F-C655-03BA-35D7DC452E5C}"/>
+                </a:ext>
+              </a:extLst>
+            </p:cNvPr>
+            <p:cNvSpPr/>
+            <p:nvPr/>
+          </p:nvSpPr>
+          <p:spPr>
+            <a:xfrm>
+              <a:off x="10255709" y="2778516"/>
+              <a:ext cx="796754" cy="219075"/>
             </a:xfrm>
             <a:prstGeom prst="rect">
               <a:avLst/>
@@ -6328,22 +6798,22 @@
             <a:p>
               <a:pPr algn="ctr"/>
               <a:r>
-                <a:rPr lang="en-US" sz="1400" b="1" dirty="0">
-                  <a:latin typeface="Open Sans" panose="020B0606030504020204" pitchFamily="34" charset="0"/>
-                  <a:ea typeface="Open Sans" panose="020B0606030504020204" pitchFamily="34" charset="0"/>
-                  <a:cs typeface="Open Sans" panose="020B0606030504020204" pitchFamily="34" charset="0"/>
-                </a:rPr>
-                <a:t>30</a:t>
-              </a:r>
-            </a:p>
-          </p:txBody>
-        </p:sp>
-        <p:sp>
-          <p:nvSpPr>
-            <p:cNvPr id="69" name="Rectangle 68">
-              <a:extLst>
-                <a:ext uri="{FF2B5EF4-FFF2-40B4-BE49-F238E27FC236}">
-                  <a16:creationId xmlns:a16="http://schemas.microsoft.com/office/drawing/2014/main" id="{363F05C1-2984-141E-171F-C36E47F9FB4D}"/>
+                <a:rPr lang="en-US" sz="1200" dirty="0">
+                  <a:latin typeface="Open Sans" panose="020B0606030504020204" pitchFamily="34" charset="0"/>
+                  <a:ea typeface="Open Sans" panose="020B0606030504020204" pitchFamily="34" charset="0"/>
+                  <a:cs typeface="Open Sans" panose="020B0606030504020204" pitchFamily="34" charset="0"/>
+                </a:rPr>
+                <a:t>White</a:t>
+              </a:r>
+            </a:p>
+          </p:txBody>
+        </p:sp>
+        <p:sp>
+          <p:nvSpPr>
+            <p:cNvPr id="87" name="Rectangle 86">
+              <a:extLst>
+                <a:ext uri="{FF2B5EF4-FFF2-40B4-BE49-F238E27FC236}">
+                  <a16:creationId xmlns:a16="http://schemas.microsoft.com/office/drawing/2014/main" id="{7D08D0AA-52CA-F371-552C-EB063466764C}"/>
                 </a:ext>
               </a:extLst>
             </p:cNvPr>
@@ -6352,8 +6822,8 @@
           </p:nvSpPr>
           <p:spPr>
             <a:xfrm>
-              <a:off x="7138028" y="5750750"/>
-              <a:ext cx="1482090" cy="219075"/>
+              <a:off x="9395893" y="3336880"/>
+              <a:ext cx="1656570" cy="219075"/>
             </a:xfrm>
             <a:prstGeom prst="rect">
               <a:avLst/>
@@ -6361,6 +6831,374 @@
             <a:solidFill>
               <a:schemeClr val="bg1">
                 <a:lumMod val="95000"/>
+              </a:schemeClr>
+            </a:solidFill>
+            <a:ln>
+              <a:noFill/>
+            </a:ln>
+          </p:spPr>
+          <p:style>
+            <a:lnRef idx="2">
+              <a:schemeClr val="accent1">
+                <a:shade val="15000"/>
+              </a:schemeClr>
+            </a:lnRef>
+            <a:fillRef idx="1">
+              <a:schemeClr val="accent1"/>
+            </a:fillRef>
+            <a:effectRef idx="0">
+              <a:schemeClr val="accent1"/>
+            </a:effectRef>
+            <a:fontRef idx="minor">
+              <a:schemeClr val="lt1"/>
+            </a:fontRef>
+          </p:style>
+          <p:txBody>
+            <a:bodyPr rtlCol="0" anchor="ctr"/>
+            <a:lstStyle/>
+            <a:p>
+              <a:pPr algn="ctr"/>
+              <a:endParaRPr lang="en-US" sz="700" dirty="0">
+                <a:latin typeface="Open Sans" panose="020B0606030504020204" pitchFamily="34" charset="0"/>
+                <a:ea typeface="Open Sans" panose="020B0606030504020204" pitchFamily="34" charset="0"/>
+                <a:cs typeface="Open Sans" panose="020B0606030504020204" pitchFamily="34" charset="0"/>
+              </a:endParaRPr>
+            </a:p>
+          </p:txBody>
+        </p:sp>
+        <p:sp>
+          <p:nvSpPr>
+            <p:cNvPr id="82" name="TextBox 81">
+              <a:extLst>
+                <a:ext uri="{FF2B5EF4-FFF2-40B4-BE49-F238E27FC236}">
+                  <a16:creationId xmlns:a16="http://schemas.microsoft.com/office/drawing/2014/main" id="{C2EB43E8-5F32-83BD-4703-E7D69D8640F3}"/>
+                </a:ext>
+              </a:extLst>
+            </p:cNvPr>
+            <p:cNvSpPr txBox="1"/>
+            <p:nvPr/>
+          </p:nvSpPr>
+          <p:spPr>
+            <a:xfrm>
+              <a:off x="9681737" y="3328523"/>
+              <a:ext cx="1084881" cy="261610"/>
+            </a:xfrm>
+            <a:prstGeom prst="rect">
+              <a:avLst/>
+            </a:prstGeom>
+            <a:noFill/>
+          </p:spPr>
+          <p:txBody>
+            <a:bodyPr wrap="square" rtlCol="0">
+              <a:spAutoFit/>
+            </a:bodyPr>
+            <a:lstStyle/>
+            <a:p>
+              <a:pPr algn="ctr"/>
+              <a:r>
+                <a:rPr lang="en-US" sz="1100" dirty="0">
+                  <a:latin typeface="Open Sans" panose="020B0606030504020204" pitchFamily="34" charset="0"/>
+                  <a:ea typeface="Open Sans" panose="020B0606030504020204" pitchFamily="34" charset="0"/>
+                  <a:cs typeface="Open Sans" panose="020B0606030504020204" pitchFamily="34" charset="0"/>
+                </a:rPr>
+                <a:t>Median [IQR]</a:t>
+              </a:r>
+            </a:p>
+          </p:txBody>
+        </p:sp>
+        <p:sp>
+          <p:nvSpPr>
+            <p:cNvPr id="88" name="TextBox 87">
+              <a:extLst>
+                <a:ext uri="{FF2B5EF4-FFF2-40B4-BE49-F238E27FC236}">
+                  <a16:creationId xmlns:a16="http://schemas.microsoft.com/office/drawing/2014/main" id="{207EBDC2-C8E6-8E04-AE69-8450154FFDFB}"/>
+                </a:ext>
+              </a:extLst>
+            </p:cNvPr>
+            <p:cNvSpPr txBox="1"/>
+            <p:nvPr/>
+          </p:nvSpPr>
+          <p:spPr>
+            <a:xfrm>
+              <a:off x="9395893" y="4053761"/>
+              <a:ext cx="1656570" cy="400110"/>
+            </a:xfrm>
+            <a:prstGeom prst="rect">
+              <a:avLst/>
+            </a:prstGeom>
+            <a:noFill/>
+          </p:spPr>
+          <p:txBody>
+            <a:bodyPr wrap="square" rtlCol="0">
+              <a:spAutoFit/>
+            </a:bodyPr>
+            <a:lstStyle/>
+            <a:p>
+              <a:pPr algn="ctr"/>
+              <a:r>
+                <a:rPr lang="en-US" sz="1000" b="1" dirty="0">
+                  <a:latin typeface="Open Sans" panose="020B0606030504020204" pitchFamily="34" charset="0"/>
+                  <a:ea typeface="Open Sans" panose="020B0606030504020204" pitchFamily="34" charset="0"/>
+                  <a:cs typeface="Open Sans" panose="020B0606030504020204" pitchFamily="34" charset="0"/>
+                </a:rPr>
+                <a:t>*</a:t>
+              </a:r>
+              <a:r>
+                <a:rPr lang="en-US" sz="1000" dirty="0">
+                  <a:latin typeface="Open Sans" panose="020B0606030504020204" pitchFamily="34" charset="0"/>
+                  <a:ea typeface="Open Sans" panose="020B0606030504020204" pitchFamily="34" charset="0"/>
+                  <a:cs typeface="Open Sans" panose="020B0606030504020204" pitchFamily="34" charset="0"/>
+                </a:rPr>
+                <a:t> Significant difference from previous cohort</a:t>
+              </a:r>
+            </a:p>
+          </p:txBody>
+        </p:sp>
+        <p:sp>
+          <p:nvSpPr>
+            <p:cNvPr id="89" name="TextBox 88">
+              <a:extLst>
+                <a:ext uri="{FF2B5EF4-FFF2-40B4-BE49-F238E27FC236}">
+                  <a16:creationId xmlns:a16="http://schemas.microsoft.com/office/drawing/2014/main" id="{E857A20C-1383-F5FA-6A30-E7359D5546A8}"/>
+                </a:ext>
+              </a:extLst>
+            </p:cNvPr>
+            <p:cNvSpPr txBox="1"/>
+            <p:nvPr/>
+          </p:nvSpPr>
+          <p:spPr>
+            <a:xfrm>
+              <a:off x="9395893" y="2210997"/>
+              <a:ext cx="1656570" cy="276999"/>
+            </a:xfrm>
+            <a:prstGeom prst="rect">
+              <a:avLst/>
+            </a:prstGeom>
+            <a:noFill/>
+          </p:spPr>
+          <p:txBody>
+            <a:bodyPr wrap="square" rtlCol="0">
+              <a:spAutoFit/>
+            </a:bodyPr>
+            <a:lstStyle/>
+            <a:p>
+              <a:pPr algn="ctr"/>
+              <a:r>
+                <a:rPr lang="en-US" sz="1200" b="1" dirty="0">
+                  <a:latin typeface="Open Sans" panose="020B0606030504020204" pitchFamily="34" charset="0"/>
+                  <a:ea typeface="Open Sans" panose="020B0606030504020204" pitchFamily="34" charset="0"/>
+                  <a:cs typeface="Open Sans" panose="020B0606030504020204" pitchFamily="34" charset="0"/>
+                </a:rPr>
+                <a:t>Legend</a:t>
+              </a:r>
+              <a:endParaRPr lang="en-US" sz="1000" dirty="0">
+                <a:latin typeface="Open Sans" panose="020B0606030504020204" pitchFamily="34" charset="0"/>
+                <a:ea typeface="Open Sans" panose="020B0606030504020204" pitchFamily="34" charset="0"/>
+                <a:cs typeface="Open Sans" panose="020B0606030504020204" pitchFamily="34" charset="0"/>
+              </a:endParaRPr>
+            </a:p>
+          </p:txBody>
+        </p:sp>
+        <p:sp>
+          <p:nvSpPr>
+            <p:cNvPr id="95" name="Rectangle 94">
+              <a:extLst>
+                <a:ext uri="{FF2B5EF4-FFF2-40B4-BE49-F238E27FC236}">
+                  <a16:creationId xmlns:a16="http://schemas.microsoft.com/office/drawing/2014/main" id="{6C26194A-2B76-8C05-C791-094DDABBB3CB}"/>
+                </a:ext>
+              </a:extLst>
+            </p:cNvPr>
+            <p:cNvSpPr/>
+            <p:nvPr/>
+          </p:nvSpPr>
+          <p:spPr>
+            <a:xfrm>
+              <a:off x="9203677" y="2095786"/>
+              <a:ext cx="2041787" cy="2476787"/>
+            </a:xfrm>
+            <a:prstGeom prst="rect">
+              <a:avLst/>
+            </a:prstGeom>
+            <a:noFill/>
+          </p:spPr>
+          <p:style>
+            <a:lnRef idx="2">
+              <a:schemeClr val="accent1">
+                <a:shade val="15000"/>
+              </a:schemeClr>
+            </a:lnRef>
+            <a:fillRef idx="1">
+              <a:schemeClr val="accent1"/>
+            </a:fillRef>
+            <a:effectRef idx="0">
+              <a:schemeClr val="accent1"/>
+            </a:effectRef>
+            <a:fontRef idx="minor">
+              <a:schemeClr val="lt1"/>
+            </a:fontRef>
+          </p:style>
+          <p:txBody>
+            <a:bodyPr rtlCol="0" anchor="ctr"/>
+            <a:lstStyle/>
+            <a:p>
+              <a:pPr algn="ctr"/>
+              <a:endParaRPr lang="en-US"/>
+            </a:p>
+          </p:txBody>
+        </p:sp>
+        <p:sp>
+          <p:nvSpPr>
+            <p:cNvPr id="12" name="TextBox 11">
+              <a:extLst>
+                <a:ext uri="{FF2B5EF4-FFF2-40B4-BE49-F238E27FC236}">
+                  <a16:creationId xmlns:a16="http://schemas.microsoft.com/office/drawing/2014/main" id="{3F955626-EF76-CF19-108A-5BD1D8750DB8}"/>
+                </a:ext>
+              </a:extLst>
+            </p:cNvPr>
+            <p:cNvSpPr txBox="1"/>
+            <p:nvPr/>
+          </p:nvSpPr>
+          <p:spPr>
+            <a:xfrm>
+              <a:off x="8625838" y="1230496"/>
+              <a:ext cx="2979417" cy="261610"/>
+            </a:xfrm>
+            <a:prstGeom prst="rect">
+              <a:avLst/>
+            </a:prstGeom>
+            <a:noFill/>
+          </p:spPr>
+          <p:txBody>
+            <a:bodyPr wrap="square" rtlCol="0">
+              <a:spAutoFit/>
+            </a:bodyPr>
+            <a:lstStyle/>
+            <a:p>
+              <a:r>
+                <a:rPr lang="en-US" sz="1100" b="1" dirty="0">
+                  <a:solidFill>
+                    <a:schemeClr val="tx1">
+                      <a:lumMod val="85000"/>
+                      <a:lumOff val="15000"/>
+                    </a:schemeClr>
+                  </a:solidFill>
+                  <a:latin typeface="Open Sans" panose="020B0606030504020204" pitchFamily="34" charset="0"/>
+                  <a:ea typeface="Open Sans" panose="020B0606030504020204" pitchFamily="34" charset="0"/>
+                  <a:cs typeface="Open Sans" panose="020B0606030504020204" pitchFamily="34" charset="0"/>
+                </a:rPr>
+                <a:t>English Proficiency, % </a:t>
+              </a:r>
+              <a:r>
+                <a:rPr lang="en-US" sz="1000" dirty="0">
+                  <a:solidFill>
+                    <a:schemeClr val="tx1">
+                      <a:lumMod val="85000"/>
+                      <a:lumOff val="15000"/>
+                    </a:schemeClr>
+                  </a:solidFill>
+                  <a:latin typeface="Open Sans" panose="020B0606030504020204" pitchFamily="34" charset="0"/>
+                  <a:ea typeface="Open Sans" panose="020B0606030504020204" pitchFamily="34" charset="0"/>
+                  <a:cs typeface="Open Sans" panose="020B0606030504020204" pitchFamily="34" charset="0"/>
+                </a:rPr>
+                <a:t>(Proficient, Limited)</a:t>
+              </a:r>
+              <a:endParaRPr lang="en-US" sz="1100" dirty="0">
+                <a:solidFill>
+                  <a:schemeClr val="tx1">
+                    <a:lumMod val="85000"/>
+                    <a:lumOff val="15000"/>
+                  </a:schemeClr>
+                </a:solidFill>
+                <a:latin typeface="Open Sans" panose="020B0606030504020204" pitchFamily="34" charset="0"/>
+                <a:ea typeface="Open Sans" panose="020B0606030504020204" pitchFamily="34" charset="0"/>
+                <a:cs typeface="Open Sans" panose="020B0606030504020204" pitchFamily="34" charset="0"/>
+              </a:endParaRPr>
+            </a:p>
+          </p:txBody>
+        </p:sp>
+        <p:sp>
+          <p:nvSpPr>
+            <p:cNvPr id="3" name="Rectangle 2">
+              <a:extLst>
+                <a:ext uri="{FF2B5EF4-FFF2-40B4-BE49-F238E27FC236}">
+                  <a16:creationId xmlns:a16="http://schemas.microsoft.com/office/drawing/2014/main" id="{A8D28E80-CE4A-AEA2-641E-233095533300}"/>
+                </a:ext>
+              </a:extLst>
+            </p:cNvPr>
+            <p:cNvSpPr/>
+            <p:nvPr/>
+          </p:nvSpPr>
+          <p:spPr>
+            <a:xfrm>
+              <a:off x="7138028" y="1256381"/>
+              <a:ext cx="1315090" cy="219075"/>
+            </a:xfrm>
+            <a:prstGeom prst="rect">
+              <a:avLst/>
+            </a:prstGeom>
+            <a:solidFill>
+              <a:schemeClr val="accent2"/>
+            </a:solidFill>
+            <a:ln>
+              <a:noFill/>
+            </a:ln>
+          </p:spPr>
+          <p:style>
+            <a:lnRef idx="2">
+              <a:schemeClr val="accent1">
+                <a:shade val="15000"/>
+              </a:schemeClr>
+            </a:lnRef>
+            <a:fillRef idx="1">
+              <a:schemeClr val="accent1"/>
+            </a:fillRef>
+            <a:effectRef idx="0">
+              <a:schemeClr val="accent1"/>
+            </a:effectRef>
+            <a:fontRef idx="minor">
+              <a:schemeClr val="lt1"/>
+            </a:fontRef>
+          </p:style>
+          <p:txBody>
+            <a:bodyPr rtlCol="0" anchor="ctr"/>
+            <a:lstStyle/>
+            <a:p>
+              <a:pPr algn="ctr"/>
+              <a:r>
+                <a:rPr lang="en-US" sz="1100" b="1" dirty="0">
+                  <a:latin typeface="Open Sans" panose="020B0606030504020204" pitchFamily="34" charset="0"/>
+                  <a:ea typeface="Open Sans" panose="020B0606030504020204" pitchFamily="34" charset="0"/>
+                  <a:cs typeface="Open Sans" panose="020B0606030504020204" pitchFamily="34" charset="0"/>
+                </a:rPr>
+                <a:t>90</a:t>
+              </a:r>
+            </a:p>
+          </p:txBody>
+        </p:sp>
+        <p:sp>
+          <p:nvSpPr>
+            <p:cNvPr id="8" name="Rectangle 7">
+              <a:extLst>
+                <a:ext uri="{FF2B5EF4-FFF2-40B4-BE49-F238E27FC236}">
+                  <a16:creationId xmlns:a16="http://schemas.microsoft.com/office/drawing/2014/main" id="{F61123E5-1F2D-AA65-29BD-B740E9372D4A}"/>
+                </a:ext>
+              </a:extLst>
+            </p:cNvPr>
+            <p:cNvSpPr/>
+            <p:nvPr/>
+          </p:nvSpPr>
+          <p:spPr>
+            <a:xfrm>
+              <a:off x="8474065" y="1256381"/>
+              <a:ext cx="145428" cy="219075"/>
+            </a:xfrm>
+            <a:prstGeom prst="rect">
+              <a:avLst/>
+            </a:prstGeom>
+            <a:solidFill>
+              <a:schemeClr val="accent2">
+                <a:lumMod val="20000"/>
+                <a:lumOff val="80000"/>
               </a:schemeClr>
             </a:solidFill>
             <a:ln>
@@ -6398,10 +7236,733 @@
         </p:sp>
         <p:sp>
           <p:nvSpPr>
-            <p:cNvPr id="70" name="TextBox 69">
-              <a:extLst>
-                <a:ext uri="{FF2B5EF4-FFF2-40B4-BE49-F238E27FC236}">
-                  <a16:creationId xmlns:a16="http://schemas.microsoft.com/office/drawing/2014/main" id="{F08A7998-4E4F-E993-1999-073465360929}"/>
+            <p:cNvPr id="13" name="Rectangle 12">
+              <a:extLst>
+                <a:ext uri="{FF2B5EF4-FFF2-40B4-BE49-F238E27FC236}">
+                  <a16:creationId xmlns:a16="http://schemas.microsoft.com/office/drawing/2014/main" id="{92B984A3-3A0A-016E-BE2C-8C67A2FF7565}"/>
+                </a:ext>
+              </a:extLst>
+            </p:cNvPr>
+            <p:cNvSpPr/>
+            <p:nvPr/>
+          </p:nvSpPr>
+          <p:spPr>
+            <a:xfrm>
+              <a:off x="7138028" y="2801308"/>
+              <a:ext cx="1315090" cy="219075"/>
+            </a:xfrm>
+            <a:prstGeom prst="rect">
+              <a:avLst/>
+            </a:prstGeom>
+            <a:solidFill>
+              <a:schemeClr val="accent2"/>
+            </a:solidFill>
+            <a:ln>
+              <a:noFill/>
+            </a:ln>
+          </p:spPr>
+          <p:style>
+            <a:lnRef idx="2">
+              <a:schemeClr val="accent1">
+                <a:shade val="15000"/>
+              </a:schemeClr>
+            </a:lnRef>
+            <a:fillRef idx="1">
+              <a:schemeClr val="accent1"/>
+            </a:fillRef>
+            <a:effectRef idx="0">
+              <a:schemeClr val="accent1"/>
+            </a:effectRef>
+            <a:fontRef idx="minor">
+              <a:schemeClr val="lt1"/>
+            </a:fontRef>
+          </p:style>
+          <p:txBody>
+            <a:bodyPr rtlCol="0" anchor="ctr"/>
+            <a:lstStyle/>
+            <a:p>
+              <a:pPr algn="ctr"/>
+              <a:r>
+                <a:rPr lang="en-US" sz="1100" b="1" dirty="0">
+                  <a:latin typeface="Open Sans" panose="020B0606030504020204" pitchFamily="34" charset="0"/>
+                  <a:ea typeface="Open Sans" panose="020B0606030504020204" pitchFamily="34" charset="0"/>
+                  <a:cs typeface="Open Sans" panose="020B0606030504020204" pitchFamily="34" charset="0"/>
+                </a:rPr>
+                <a:t>89</a:t>
+              </a:r>
+            </a:p>
+          </p:txBody>
+        </p:sp>
+        <p:sp>
+          <p:nvSpPr>
+            <p:cNvPr id="15" name="Rectangle 14">
+              <a:extLst>
+                <a:ext uri="{FF2B5EF4-FFF2-40B4-BE49-F238E27FC236}">
+                  <a16:creationId xmlns:a16="http://schemas.microsoft.com/office/drawing/2014/main" id="{14E13770-A3F2-8CF1-03AE-0B84F417574D}"/>
+                </a:ext>
+              </a:extLst>
+            </p:cNvPr>
+            <p:cNvSpPr/>
+            <p:nvPr/>
+          </p:nvSpPr>
+          <p:spPr>
+            <a:xfrm>
+              <a:off x="8474065" y="2801308"/>
+              <a:ext cx="145428" cy="219075"/>
+            </a:xfrm>
+            <a:prstGeom prst="rect">
+              <a:avLst/>
+            </a:prstGeom>
+            <a:solidFill>
+              <a:schemeClr val="accent2">
+                <a:lumMod val="20000"/>
+                <a:lumOff val="80000"/>
+              </a:schemeClr>
+            </a:solidFill>
+            <a:ln>
+              <a:noFill/>
+            </a:ln>
+          </p:spPr>
+          <p:style>
+            <a:lnRef idx="2">
+              <a:schemeClr val="accent1">
+                <a:shade val="15000"/>
+              </a:schemeClr>
+            </a:lnRef>
+            <a:fillRef idx="1">
+              <a:schemeClr val="accent1"/>
+            </a:fillRef>
+            <a:effectRef idx="0">
+              <a:schemeClr val="accent1"/>
+            </a:effectRef>
+            <a:fontRef idx="minor">
+              <a:schemeClr val="lt1"/>
+            </a:fontRef>
+          </p:style>
+          <p:txBody>
+            <a:bodyPr rtlCol="0" anchor="ctr"/>
+            <a:lstStyle/>
+            <a:p>
+              <a:pPr algn="ctr"/>
+              <a:endParaRPr lang="en-US" sz="1400" b="1" dirty="0">
+                <a:latin typeface="Open Sans" panose="020B0606030504020204" pitchFamily="34" charset="0"/>
+                <a:ea typeface="Open Sans" panose="020B0606030504020204" pitchFamily="34" charset="0"/>
+                <a:cs typeface="Open Sans" panose="020B0606030504020204" pitchFamily="34" charset="0"/>
+              </a:endParaRPr>
+            </a:p>
+          </p:txBody>
+        </p:sp>
+        <p:sp>
+          <p:nvSpPr>
+            <p:cNvPr id="17" name="Rectangle 16">
+              <a:extLst>
+                <a:ext uri="{FF2B5EF4-FFF2-40B4-BE49-F238E27FC236}">
+                  <a16:creationId xmlns:a16="http://schemas.microsoft.com/office/drawing/2014/main" id="{B8D12A9D-D044-7F3B-898C-F45D04AE417B}"/>
+                </a:ext>
+              </a:extLst>
+            </p:cNvPr>
+            <p:cNvSpPr/>
+            <p:nvPr/>
+          </p:nvSpPr>
+          <p:spPr>
+            <a:xfrm>
+              <a:off x="7138028" y="4326681"/>
+              <a:ext cx="1315090" cy="219075"/>
+            </a:xfrm>
+            <a:prstGeom prst="rect">
+              <a:avLst/>
+            </a:prstGeom>
+            <a:solidFill>
+              <a:schemeClr val="accent2"/>
+            </a:solidFill>
+            <a:ln>
+              <a:noFill/>
+            </a:ln>
+          </p:spPr>
+          <p:style>
+            <a:lnRef idx="2">
+              <a:schemeClr val="accent1">
+                <a:shade val="15000"/>
+              </a:schemeClr>
+            </a:lnRef>
+            <a:fillRef idx="1">
+              <a:schemeClr val="accent1"/>
+            </a:fillRef>
+            <a:effectRef idx="0">
+              <a:schemeClr val="accent1"/>
+            </a:effectRef>
+            <a:fontRef idx="minor">
+              <a:schemeClr val="lt1"/>
+            </a:fontRef>
+          </p:style>
+          <p:txBody>
+            <a:bodyPr rtlCol="0" anchor="ctr"/>
+            <a:lstStyle/>
+            <a:p>
+              <a:pPr algn="ctr"/>
+              <a:r>
+                <a:rPr lang="en-US" sz="1100" b="1" dirty="0">
+                  <a:latin typeface="Open Sans" panose="020B0606030504020204" pitchFamily="34" charset="0"/>
+                  <a:ea typeface="Open Sans" panose="020B0606030504020204" pitchFamily="34" charset="0"/>
+                  <a:cs typeface="Open Sans" panose="020B0606030504020204" pitchFamily="34" charset="0"/>
+                </a:rPr>
+                <a:t>90</a:t>
+              </a:r>
+            </a:p>
+          </p:txBody>
+        </p:sp>
+        <p:sp>
+          <p:nvSpPr>
+            <p:cNvPr id="19" name="Rectangle 18">
+              <a:extLst>
+                <a:ext uri="{FF2B5EF4-FFF2-40B4-BE49-F238E27FC236}">
+                  <a16:creationId xmlns:a16="http://schemas.microsoft.com/office/drawing/2014/main" id="{59DA17B1-AC1A-7249-FE7B-2AEAE30F1A2C}"/>
+                </a:ext>
+              </a:extLst>
+            </p:cNvPr>
+            <p:cNvSpPr/>
+            <p:nvPr/>
+          </p:nvSpPr>
+          <p:spPr>
+            <a:xfrm>
+              <a:off x="8474065" y="4326681"/>
+              <a:ext cx="145428" cy="219075"/>
+            </a:xfrm>
+            <a:prstGeom prst="rect">
+              <a:avLst/>
+            </a:prstGeom>
+            <a:solidFill>
+              <a:schemeClr val="accent2">
+                <a:lumMod val="20000"/>
+                <a:lumOff val="80000"/>
+              </a:schemeClr>
+            </a:solidFill>
+            <a:ln>
+              <a:noFill/>
+            </a:ln>
+          </p:spPr>
+          <p:style>
+            <a:lnRef idx="2">
+              <a:schemeClr val="accent1">
+                <a:shade val="15000"/>
+              </a:schemeClr>
+            </a:lnRef>
+            <a:fillRef idx="1">
+              <a:schemeClr val="accent1"/>
+            </a:fillRef>
+            <a:effectRef idx="0">
+              <a:schemeClr val="accent1"/>
+            </a:effectRef>
+            <a:fontRef idx="minor">
+              <a:schemeClr val="lt1"/>
+            </a:fontRef>
+          </p:style>
+          <p:txBody>
+            <a:bodyPr rtlCol="0" anchor="ctr"/>
+            <a:lstStyle/>
+            <a:p>
+              <a:pPr algn="ctr"/>
+              <a:endParaRPr lang="en-US" sz="1400" b="1" dirty="0">
+                <a:latin typeface="Open Sans" panose="020B0606030504020204" pitchFamily="34" charset="0"/>
+                <a:ea typeface="Open Sans" panose="020B0606030504020204" pitchFamily="34" charset="0"/>
+                <a:cs typeface="Open Sans" panose="020B0606030504020204" pitchFamily="34" charset="0"/>
+              </a:endParaRPr>
+            </a:p>
+          </p:txBody>
+        </p:sp>
+        <p:sp>
+          <p:nvSpPr>
+            <p:cNvPr id="21" name="Rectangle 20">
+              <a:extLst>
+                <a:ext uri="{FF2B5EF4-FFF2-40B4-BE49-F238E27FC236}">
+                  <a16:creationId xmlns:a16="http://schemas.microsoft.com/office/drawing/2014/main" id="{AD61B3A6-C709-F70C-80B1-BF5BD06DEA18}"/>
+                </a:ext>
+              </a:extLst>
+            </p:cNvPr>
+            <p:cNvSpPr/>
+            <p:nvPr/>
+          </p:nvSpPr>
+          <p:spPr>
+            <a:xfrm>
+              <a:off x="7145807" y="5844646"/>
+              <a:ext cx="1315090" cy="219075"/>
+            </a:xfrm>
+            <a:prstGeom prst="rect">
+              <a:avLst/>
+            </a:prstGeom>
+            <a:solidFill>
+              <a:schemeClr val="accent2"/>
+            </a:solidFill>
+            <a:ln>
+              <a:noFill/>
+            </a:ln>
+          </p:spPr>
+          <p:style>
+            <a:lnRef idx="2">
+              <a:schemeClr val="accent1">
+                <a:shade val="15000"/>
+              </a:schemeClr>
+            </a:lnRef>
+            <a:fillRef idx="1">
+              <a:schemeClr val="accent1"/>
+            </a:fillRef>
+            <a:effectRef idx="0">
+              <a:schemeClr val="accent1"/>
+            </a:effectRef>
+            <a:fontRef idx="minor">
+              <a:schemeClr val="lt1"/>
+            </a:fontRef>
+          </p:style>
+          <p:txBody>
+            <a:bodyPr rtlCol="0" anchor="ctr"/>
+            <a:lstStyle/>
+            <a:p>
+              <a:pPr algn="ctr"/>
+              <a:r>
+                <a:rPr lang="en-US" sz="1100" b="1" dirty="0">
+                  <a:latin typeface="Open Sans" panose="020B0606030504020204" pitchFamily="34" charset="0"/>
+                  <a:ea typeface="Open Sans" panose="020B0606030504020204" pitchFamily="34" charset="0"/>
+                  <a:cs typeface="Open Sans" panose="020B0606030504020204" pitchFamily="34" charset="0"/>
+                </a:rPr>
+                <a:t>89</a:t>
+              </a:r>
+            </a:p>
+          </p:txBody>
+        </p:sp>
+        <p:sp>
+          <p:nvSpPr>
+            <p:cNvPr id="23" name="Rectangle 22">
+              <a:extLst>
+                <a:ext uri="{FF2B5EF4-FFF2-40B4-BE49-F238E27FC236}">
+                  <a16:creationId xmlns:a16="http://schemas.microsoft.com/office/drawing/2014/main" id="{4C0AD59E-931D-F786-A5D2-F18762E96783}"/>
+                </a:ext>
+              </a:extLst>
+            </p:cNvPr>
+            <p:cNvSpPr/>
+            <p:nvPr/>
+          </p:nvSpPr>
+          <p:spPr>
+            <a:xfrm>
+              <a:off x="8481844" y="5844646"/>
+              <a:ext cx="145428" cy="219075"/>
+            </a:xfrm>
+            <a:prstGeom prst="rect">
+              <a:avLst/>
+            </a:prstGeom>
+            <a:solidFill>
+              <a:schemeClr val="accent2">
+                <a:lumMod val="20000"/>
+                <a:lumOff val="80000"/>
+              </a:schemeClr>
+            </a:solidFill>
+            <a:ln>
+              <a:noFill/>
+            </a:ln>
+          </p:spPr>
+          <p:style>
+            <a:lnRef idx="2">
+              <a:schemeClr val="accent1">
+                <a:shade val="15000"/>
+              </a:schemeClr>
+            </a:lnRef>
+            <a:fillRef idx="1">
+              <a:schemeClr val="accent1"/>
+            </a:fillRef>
+            <a:effectRef idx="0">
+              <a:schemeClr val="accent1"/>
+            </a:effectRef>
+            <a:fontRef idx="minor">
+              <a:schemeClr val="lt1"/>
+            </a:fontRef>
+          </p:style>
+          <p:txBody>
+            <a:bodyPr rtlCol="0" anchor="ctr"/>
+            <a:lstStyle/>
+            <a:p>
+              <a:pPr algn="ctr"/>
+              <a:endParaRPr lang="en-US" sz="1400" b="1" dirty="0">
+                <a:latin typeface="Open Sans" panose="020B0606030504020204" pitchFamily="34" charset="0"/>
+                <a:ea typeface="Open Sans" panose="020B0606030504020204" pitchFamily="34" charset="0"/>
+                <a:cs typeface="Open Sans" panose="020B0606030504020204" pitchFamily="34" charset="0"/>
+              </a:endParaRPr>
+            </a:p>
+          </p:txBody>
+        </p:sp>
+        <p:sp>
+          <p:nvSpPr>
+            <p:cNvPr id="25" name="Rectangle 24">
+              <a:extLst>
+                <a:ext uri="{FF2B5EF4-FFF2-40B4-BE49-F238E27FC236}">
+                  <a16:creationId xmlns:a16="http://schemas.microsoft.com/office/drawing/2014/main" id="{23E065CA-C7E5-2AE9-6B66-AFE94C2921E9}"/>
+                </a:ext>
+              </a:extLst>
+            </p:cNvPr>
+            <p:cNvSpPr/>
+            <p:nvPr/>
+          </p:nvSpPr>
+          <p:spPr>
+            <a:xfrm>
+              <a:off x="9395893" y="3641335"/>
+              <a:ext cx="796754" cy="219075"/>
+            </a:xfrm>
+            <a:prstGeom prst="rect">
+              <a:avLst/>
+            </a:prstGeom>
+            <a:solidFill>
+              <a:schemeClr val="accent2"/>
+            </a:solidFill>
+            <a:ln>
+              <a:noFill/>
+            </a:ln>
+          </p:spPr>
+          <p:style>
+            <a:lnRef idx="2">
+              <a:schemeClr val="accent1">
+                <a:shade val="15000"/>
+              </a:schemeClr>
+            </a:lnRef>
+            <a:fillRef idx="1">
+              <a:schemeClr val="accent1"/>
+            </a:fillRef>
+            <a:effectRef idx="0">
+              <a:schemeClr val="accent1"/>
+            </a:effectRef>
+            <a:fontRef idx="minor">
+              <a:schemeClr val="lt1"/>
+            </a:fontRef>
+          </p:style>
+          <p:txBody>
+            <a:bodyPr rtlCol="0" anchor="ctr"/>
+            <a:lstStyle/>
+            <a:p>
+              <a:pPr algn="ctr"/>
+              <a:r>
+                <a:rPr lang="en-US" sz="1050" dirty="0">
+                  <a:latin typeface="Open Sans" panose="020B0606030504020204" pitchFamily="34" charset="0"/>
+                  <a:ea typeface="Open Sans" panose="020B0606030504020204" pitchFamily="34" charset="0"/>
+                  <a:cs typeface="Open Sans" panose="020B0606030504020204" pitchFamily="34" charset="0"/>
+                </a:rPr>
+                <a:t>Proficient</a:t>
+              </a:r>
+            </a:p>
+          </p:txBody>
+        </p:sp>
+        <p:sp>
+          <p:nvSpPr>
+            <p:cNvPr id="47" name="Rectangle 46">
+              <a:extLst>
+                <a:ext uri="{FF2B5EF4-FFF2-40B4-BE49-F238E27FC236}">
+                  <a16:creationId xmlns:a16="http://schemas.microsoft.com/office/drawing/2014/main" id="{C1816BAC-1292-3606-F93A-0F8493CF955D}"/>
+                </a:ext>
+              </a:extLst>
+            </p:cNvPr>
+            <p:cNvSpPr/>
+            <p:nvPr/>
+          </p:nvSpPr>
+          <p:spPr>
+            <a:xfrm>
+              <a:off x="10255705" y="3647424"/>
+              <a:ext cx="796758" cy="219075"/>
+            </a:xfrm>
+            <a:prstGeom prst="rect">
+              <a:avLst/>
+            </a:prstGeom>
+            <a:solidFill>
+              <a:schemeClr val="accent2">
+                <a:lumMod val="20000"/>
+                <a:lumOff val="80000"/>
+              </a:schemeClr>
+            </a:solidFill>
+            <a:ln>
+              <a:noFill/>
+            </a:ln>
+          </p:spPr>
+          <p:style>
+            <a:lnRef idx="2">
+              <a:schemeClr val="accent1">
+                <a:shade val="15000"/>
+              </a:schemeClr>
+            </a:lnRef>
+            <a:fillRef idx="1">
+              <a:schemeClr val="accent1"/>
+            </a:fillRef>
+            <a:effectRef idx="0">
+              <a:schemeClr val="accent1"/>
+            </a:effectRef>
+            <a:fontRef idx="minor">
+              <a:schemeClr val="lt1"/>
+            </a:fontRef>
+          </p:style>
+          <p:txBody>
+            <a:bodyPr rtlCol="0" anchor="ctr"/>
+            <a:lstStyle/>
+            <a:p>
+              <a:pPr algn="ctr"/>
+              <a:r>
+                <a:rPr lang="en-US" sz="1100" dirty="0">
+                  <a:solidFill>
+                    <a:schemeClr val="tx1">
+                      <a:lumMod val="75000"/>
+                      <a:lumOff val="25000"/>
+                    </a:schemeClr>
+                  </a:solidFill>
+                  <a:latin typeface="Open Sans" panose="020B0606030504020204" pitchFamily="34" charset="0"/>
+                  <a:ea typeface="Open Sans" panose="020B0606030504020204" pitchFamily="34" charset="0"/>
+                  <a:cs typeface="Open Sans" panose="020B0606030504020204" pitchFamily="34" charset="0"/>
+                </a:rPr>
+                <a:t>Limited</a:t>
+              </a:r>
+            </a:p>
+          </p:txBody>
+        </p:sp>
+        <p:sp>
+          <p:nvSpPr>
+            <p:cNvPr id="49" name="Rectangle 48">
+              <a:extLst>
+                <a:ext uri="{FF2B5EF4-FFF2-40B4-BE49-F238E27FC236}">
+                  <a16:creationId xmlns:a16="http://schemas.microsoft.com/office/drawing/2014/main" id="{10EA03C0-E5E5-24BA-CDFD-8D3B258440B5}"/>
+                </a:ext>
+              </a:extLst>
+            </p:cNvPr>
+            <p:cNvSpPr/>
+            <p:nvPr/>
+          </p:nvSpPr>
+          <p:spPr>
+            <a:xfrm>
+              <a:off x="7140581" y="5363123"/>
+              <a:ext cx="412410" cy="219075"/>
+            </a:xfrm>
+            <a:prstGeom prst="rect">
+              <a:avLst/>
+            </a:prstGeom>
+            <a:solidFill>
+              <a:schemeClr val="bg1">
+                <a:lumMod val="65000"/>
+              </a:schemeClr>
+            </a:solidFill>
+            <a:ln>
+              <a:noFill/>
+            </a:ln>
+          </p:spPr>
+          <p:style>
+            <a:lnRef idx="2">
+              <a:schemeClr val="accent1">
+                <a:shade val="15000"/>
+              </a:schemeClr>
+            </a:lnRef>
+            <a:fillRef idx="1">
+              <a:schemeClr val="accent1"/>
+            </a:fillRef>
+            <a:effectRef idx="0">
+              <a:schemeClr val="accent1"/>
+            </a:effectRef>
+            <a:fontRef idx="minor">
+              <a:schemeClr val="lt1"/>
+            </a:fontRef>
+          </p:style>
+          <p:txBody>
+            <a:bodyPr rtlCol="0" anchor="ctr"/>
+            <a:lstStyle/>
+            <a:p>
+              <a:pPr algn="ctr"/>
+              <a:r>
+                <a:rPr lang="en-US" sz="1200" b="1">
+                  <a:latin typeface="Open Sans" panose="020B0606030504020204" pitchFamily="34" charset="0"/>
+                  <a:ea typeface="Open Sans" panose="020B0606030504020204" pitchFamily="34" charset="0"/>
+                  <a:cs typeface="Open Sans" panose="020B0606030504020204" pitchFamily="34" charset="0"/>
+                </a:rPr>
+                <a:t>29</a:t>
+              </a:r>
+              <a:endParaRPr lang="en-US" sz="1200" b="1" dirty="0">
+                <a:latin typeface="Open Sans" panose="020B0606030504020204" pitchFamily="34" charset="0"/>
+                <a:ea typeface="Open Sans" panose="020B0606030504020204" pitchFamily="34" charset="0"/>
+                <a:cs typeface="Open Sans" panose="020B0606030504020204" pitchFamily="34" charset="0"/>
+              </a:endParaRPr>
+            </a:p>
+          </p:txBody>
+        </p:sp>
+        <p:sp>
+          <p:nvSpPr>
+            <p:cNvPr id="50" name="Rectangle 49">
+              <a:extLst>
+                <a:ext uri="{FF2B5EF4-FFF2-40B4-BE49-F238E27FC236}">
+                  <a16:creationId xmlns:a16="http://schemas.microsoft.com/office/drawing/2014/main" id="{397CD61B-6AAC-46CA-04E8-44B90FAF5661}"/>
+                </a:ext>
+              </a:extLst>
+            </p:cNvPr>
+            <p:cNvSpPr/>
+            <p:nvPr/>
+          </p:nvSpPr>
+          <p:spPr>
+            <a:xfrm>
+              <a:off x="7570611" y="5363122"/>
+              <a:ext cx="302281" cy="219075"/>
+            </a:xfrm>
+            <a:prstGeom prst="rect">
+              <a:avLst/>
+            </a:prstGeom>
+            <a:solidFill>
+              <a:schemeClr val="accent4"/>
+            </a:solidFill>
+            <a:ln>
+              <a:noFill/>
+            </a:ln>
+          </p:spPr>
+          <p:style>
+            <a:lnRef idx="2">
+              <a:schemeClr val="accent1">
+                <a:shade val="15000"/>
+              </a:schemeClr>
+            </a:lnRef>
+            <a:fillRef idx="1">
+              <a:schemeClr val="accent1"/>
+            </a:fillRef>
+            <a:effectRef idx="0">
+              <a:schemeClr val="accent1"/>
+            </a:effectRef>
+            <a:fontRef idx="minor">
+              <a:schemeClr val="lt1"/>
+            </a:fontRef>
+          </p:style>
+          <p:txBody>
+            <a:bodyPr rtlCol="0" anchor="ctr"/>
+            <a:lstStyle/>
+            <a:p>
+              <a:pPr algn="ctr"/>
+              <a:endParaRPr lang="en-US" sz="800" b="1" dirty="0">
+                <a:latin typeface="Open Sans" panose="020B0606030504020204" pitchFamily="34" charset="0"/>
+                <a:ea typeface="Open Sans" panose="020B0606030504020204" pitchFamily="34" charset="0"/>
+                <a:cs typeface="Open Sans" panose="020B0606030504020204" pitchFamily="34" charset="0"/>
+              </a:endParaRPr>
+            </a:p>
+          </p:txBody>
+        </p:sp>
+        <p:sp>
+          <p:nvSpPr>
+            <p:cNvPr id="66" name="Rectangle 65">
+              <a:extLst>
+                <a:ext uri="{FF2B5EF4-FFF2-40B4-BE49-F238E27FC236}">
+                  <a16:creationId xmlns:a16="http://schemas.microsoft.com/office/drawing/2014/main" id="{38019680-2B5F-1D4C-44D2-9B0B5B05ADED}"/>
+                </a:ext>
+              </a:extLst>
+            </p:cNvPr>
+            <p:cNvSpPr/>
+            <p:nvPr/>
+          </p:nvSpPr>
+          <p:spPr>
+            <a:xfrm>
+              <a:off x="7890511" y="5363123"/>
+              <a:ext cx="302281" cy="219075"/>
+            </a:xfrm>
+            <a:prstGeom prst="rect">
+              <a:avLst/>
+            </a:prstGeom>
+            <a:solidFill>
+              <a:schemeClr val="accent1"/>
+            </a:solidFill>
+            <a:ln>
+              <a:noFill/>
+            </a:ln>
+          </p:spPr>
+          <p:style>
+            <a:lnRef idx="2">
+              <a:schemeClr val="accent1">
+                <a:shade val="15000"/>
+              </a:schemeClr>
+            </a:lnRef>
+            <a:fillRef idx="1">
+              <a:schemeClr val="accent1"/>
+            </a:fillRef>
+            <a:effectRef idx="0">
+              <a:schemeClr val="accent1"/>
+            </a:effectRef>
+            <a:fontRef idx="minor">
+              <a:schemeClr val="lt1"/>
+            </a:fontRef>
+          </p:style>
+          <p:txBody>
+            <a:bodyPr rtlCol="0" anchor="ctr"/>
+            <a:lstStyle/>
+            <a:p>
+              <a:pPr algn="ctr"/>
+              <a:endParaRPr lang="en-US" sz="800" b="1" dirty="0">
+                <a:latin typeface="Open Sans" panose="020B0606030504020204" pitchFamily="34" charset="0"/>
+                <a:ea typeface="Open Sans" panose="020B0606030504020204" pitchFamily="34" charset="0"/>
+                <a:cs typeface="Open Sans" panose="020B0606030504020204" pitchFamily="34" charset="0"/>
+              </a:endParaRPr>
+            </a:p>
+          </p:txBody>
+        </p:sp>
+        <p:sp>
+          <p:nvSpPr>
+            <p:cNvPr id="68" name="Rectangle 67">
+              <a:extLst>
+                <a:ext uri="{FF2B5EF4-FFF2-40B4-BE49-F238E27FC236}">
+                  <a16:creationId xmlns:a16="http://schemas.microsoft.com/office/drawing/2014/main" id="{0A80371D-FB50-5C3E-BA7A-33223FE1C1C4}"/>
+                </a:ext>
+              </a:extLst>
+            </p:cNvPr>
+            <p:cNvSpPr/>
+            <p:nvPr/>
+          </p:nvSpPr>
+          <p:spPr>
+            <a:xfrm>
+              <a:off x="8210412" y="5363122"/>
+              <a:ext cx="413692" cy="219075"/>
+            </a:xfrm>
+            <a:prstGeom prst="rect">
+              <a:avLst/>
+            </a:prstGeom>
+            <a:solidFill>
+              <a:schemeClr val="accent6"/>
+            </a:solidFill>
+            <a:ln>
+              <a:noFill/>
+            </a:ln>
+          </p:spPr>
+          <p:style>
+            <a:lnRef idx="2">
+              <a:schemeClr val="accent1">
+                <a:shade val="15000"/>
+              </a:schemeClr>
+            </a:lnRef>
+            <a:fillRef idx="1">
+              <a:schemeClr val="accent1"/>
+            </a:fillRef>
+            <a:effectRef idx="0">
+              <a:schemeClr val="accent1"/>
+            </a:effectRef>
+            <a:fontRef idx="minor">
+              <a:schemeClr val="lt1"/>
+            </a:fontRef>
+          </p:style>
+          <p:txBody>
+            <a:bodyPr rtlCol="0" anchor="ctr"/>
+            <a:lstStyle/>
+            <a:p>
+              <a:pPr algn="ctr"/>
+              <a:r>
+                <a:rPr lang="en-US" sz="1200" b="1">
+                  <a:latin typeface="Open Sans" panose="020B0606030504020204" pitchFamily="34" charset="0"/>
+                  <a:ea typeface="Open Sans" panose="020B0606030504020204" pitchFamily="34" charset="0"/>
+                  <a:cs typeface="Open Sans" panose="020B0606030504020204" pitchFamily="34" charset="0"/>
+                </a:rPr>
+                <a:t>29</a:t>
+              </a:r>
+              <a:endParaRPr lang="en-US" sz="1200" b="1" dirty="0">
+                <a:latin typeface="Open Sans" panose="020B0606030504020204" pitchFamily="34" charset="0"/>
+                <a:ea typeface="Open Sans" panose="020B0606030504020204" pitchFamily="34" charset="0"/>
+                <a:cs typeface="Open Sans" panose="020B0606030504020204" pitchFamily="34" charset="0"/>
+              </a:endParaRPr>
+            </a:p>
+          </p:txBody>
+        </p:sp>
+        <p:sp>
+          <p:nvSpPr>
+            <p:cNvPr id="78" name="TextBox 77">
+              <a:extLst>
+                <a:ext uri="{FF2B5EF4-FFF2-40B4-BE49-F238E27FC236}">
+                  <a16:creationId xmlns:a16="http://schemas.microsoft.com/office/drawing/2014/main" id="{A2328FFE-7592-219E-4778-7C8A58DC0C17}"/>
                 </a:ext>
               </a:extLst>
             </p:cNvPr>
@@ -6410,8 +7971,8 @@
           </p:nvSpPr>
           <p:spPr>
             <a:xfrm>
-              <a:off x="7106044" y="5727622"/>
-              <a:ext cx="1528589" cy="261610"/>
+              <a:off x="7544443" y="5341348"/>
+              <a:ext cx="716279" cy="276999"/>
             </a:xfrm>
             <a:prstGeom prst="rect">
               <a:avLst/>
@@ -6424,812 +7985,50 @@
             </a:bodyPr>
             <a:lstStyle/>
             <a:p>
-              <a:pPr algn="ctr"/>
-              <a:r>
-                <a:rPr lang="en-US" sz="1100" b="1" dirty="0">
-                  <a:latin typeface="Open Sans" panose="020B0606030504020204" pitchFamily="34" charset="0"/>
-                  <a:ea typeface="Open Sans" panose="020B0606030504020204" pitchFamily="34" charset="0"/>
-                  <a:cs typeface="Open Sans" panose="020B0606030504020204" pitchFamily="34" charset="0"/>
-                </a:rPr>
-                <a:t>62</a:t>
-              </a:r>
-              <a:r>
-                <a:rPr lang="en-US" sz="1100" dirty="0">
-                  <a:latin typeface="Open Sans" panose="020B0606030504020204" pitchFamily="34" charset="0"/>
-                  <a:ea typeface="Open Sans" panose="020B0606030504020204" pitchFamily="34" charset="0"/>
-                  <a:cs typeface="Open Sans" panose="020B0606030504020204" pitchFamily="34" charset="0"/>
-                </a:rPr>
-                <a:t> [59 –63]</a:t>
-              </a:r>
-            </a:p>
-          </p:txBody>
-        </p:sp>
-        <p:sp>
-          <p:nvSpPr>
-            <p:cNvPr id="71" name="TextBox 70">
-              <a:extLst>
-                <a:ext uri="{FF2B5EF4-FFF2-40B4-BE49-F238E27FC236}">
-                  <a16:creationId xmlns:a16="http://schemas.microsoft.com/office/drawing/2014/main" id="{98D31612-505E-6BC8-C2C5-79793481404D}"/>
-                </a:ext>
-              </a:extLst>
-            </p:cNvPr>
-            <p:cNvSpPr txBox="1"/>
-            <p:nvPr/>
-          </p:nvSpPr>
-          <p:spPr>
-            <a:xfrm>
-              <a:off x="8625840" y="2500297"/>
-              <a:ext cx="299721" cy="276999"/>
-            </a:xfrm>
-            <a:prstGeom prst="rect">
-              <a:avLst/>
-            </a:prstGeom>
-            <a:noFill/>
-          </p:spPr>
-          <p:txBody>
-            <a:bodyPr wrap="square" rtlCol="0">
-              <a:spAutoFit/>
-            </a:bodyPr>
-            <a:lstStyle/>
-            <a:p>
-              <a:r>
-                <a:rPr lang="en-US" sz="1200" b="1" dirty="0">
-                  <a:latin typeface="Open Sans" panose="020B0606030504020204" pitchFamily="34" charset="0"/>
-                  <a:ea typeface="Open Sans" panose="020B0606030504020204" pitchFamily="34" charset="0"/>
-                  <a:cs typeface="Open Sans" panose="020B0606030504020204" pitchFamily="34" charset="0"/>
-                </a:rPr>
-                <a:t>*</a:t>
-              </a:r>
-            </a:p>
-          </p:txBody>
-        </p:sp>
-        <p:sp>
-          <p:nvSpPr>
-            <p:cNvPr id="72" name="TextBox 71">
-              <a:extLst>
-                <a:ext uri="{FF2B5EF4-FFF2-40B4-BE49-F238E27FC236}">
-                  <a16:creationId xmlns:a16="http://schemas.microsoft.com/office/drawing/2014/main" id="{F7A4945F-4AD9-C4F9-1878-76988EFCA396}"/>
-                </a:ext>
-              </a:extLst>
-            </p:cNvPr>
-            <p:cNvSpPr txBox="1"/>
-            <p:nvPr/>
-          </p:nvSpPr>
-          <p:spPr>
-            <a:xfrm>
-              <a:off x="8625840" y="2304391"/>
-              <a:ext cx="299721" cy="276999"/>
-            </a:xfrm>
-            <a:prstGeom prst="rect">
-              <a:avLst/>
-            </a:prstGeom>
-            <a:noFill/>
-          </p:spPr>
-          <p:txBody>
-            <a:bodyPr wrap="square" rtlCol="0">
-              <a:spAutoFit/>
-            </a:bodyPr>
-            <a:lstStyle/>
-            <a:p>
-              <a:r>
-                <a:rPr lang="en-US" sz="1200" b="1" dirty="0">
-                  <a:latin typeface="Open Sans" panose="020B0606030504020204" pitchFamily="34" charset="0"/>
-                  <a:ea typeface="Open Sans" panose="020B0606030504020204" pitchFamily="34" charset="0"/>
-                  <a:cs typeface="Open Sans" panose="020B0606030504020204" pitchFamily="34" charset="0"/>
-                </a:rPr>
-                <a:t>*</a:t>
-              </a:r>
-            </a:p>
-          </p:txBody>
-        </p:sp>
-        <p:sp>
-          <p:nvSpPr>
-            <p:cNvPr id="73" name="TextBox 72">
-              <a:extLst>
-                <a:ext uri="{FF2B5EF4-FFF2-40B4-BE49-F238E27FC236}">
-                  <a16:creationId xmlns:a16="http://schemas.microsoft.com/office/drawing/2014/main" id="{4AA013D1-6DCC-C54B-7E37-28BFDC9F84BB}"/>
-                </a:ext>
-              </a:extLst>
-            </p:cNvPr>
-            <p:cNvSpPr txBox="1"/>
-            <p:nvPr/>
-          </p:nvSpPr>
-          <p:spPr>
-            <a:xfrm>
-              <a:off x="8625840" y="4178917"/>
-              <a:ext cx="299717" cy="276999"/>
-            </a:xfrm>
-            <a:prstGeom prst="rect">
-              <a:avLst/>
-            </a:prstGeom>
-            <a:noFill/>
-          </p:spPr>
-          <p:txBody>
-            <a:bodyPr wrap="square" rtlCol="0">
-              <a:spAutoFit/>
-            </a:bodyPr>
-            <a:lstStyle/>
-            <a:p>
-              <a:r>
-                <a:rPr lang="en-US" sz="1200" b="1" dirty="0">
-                  <a:latin typeface="Open Sans" panose="020B0606030504020204" pitchFamily="34" charset="0"/>
-                  <a:ea typeface="Open Sans" panose="020B0606030504020204" pitchFamily="34" charset="0"/>
-                  <a:cs typeface="Open Sans" panose="020B0606030504020204" pitchFamily="34" charset="0"/>
-                </a:rPr>
-                <a:t>*</a:t>
-              </a:r>
-            </a:p>
-          </p:txBody>
-        </p:sp>
-        <p:sp>
-          <p:nvSpPr>
-            <p:cNvPr id="74" name="TextBox 73">
-              <a:extLst>
-                <a:ext uri="{FF2B5EF4-FFF2-40B4-BE49-F238E27FC236}">
-                  <a16:creationId xmlns:a16="http://schemas.microsoft.com/office/drawing/2014/main" id="{9513606E-0D21-E25C-37EA-E876802C1585}"/>
-                </a:ext>
-              </a:extLst>
-            </p:cNvPr>
-            <p:cNvSpPr txBox="1"/>
-            <p:nvPr/>
-          </p:nvSpPr>
-          <p:spPr>
-            <a:xfrm>
-              <a:off x="8619493" y="5513116"/>
-              <a:ext cx="299717" cy="276999"/>
-            </a:xfrm>
-            <a:prstGeom prst="rect">
-              <a:avLst/>
-            </a:prstGeom>
-            <a:noFill/>
-          </p:spPr>
-          <p:txBody>
-            <a:bodyPr wrap="square" rtlCol="0">
-              <a:spAutoFit/>
-            </a:bodyPr>
-            <a:lstStyle/>
-            <a:p>
-              <a:r>
-                <a:rPr lang="en-US" sz="1200" b="1" dirty="0">
-                  <a:latin typeface="Open Sans" panose="020B0606030504020204" pitchFamily="34" charset="0"/>
-                  <a:ea typeface="Open Sans" panose="020B0606030504020204" pitchFamily="34" charset="0"/>
-                  <a:cs typeface="Open Sans" panose="020B0606030504020204" pitchFamily="34" charset="0"/>
-                </a:rPr>
-                <a:t>*</a:t>
-              </a:r>
-            </a:p>
-          </p:txBody>
-        </p:sp>
-        <p:grpSp>
-          <p:nvGrpSpPr>
-            <p:cNvPr id="96" name="Group 95">
-              <a:extLst>
-                <a:ext uri="{FF2B5EF4-FFF2-40B4-BE49-F238E27FC236}">
-                  <a16:creationId xmlns:a16="http://schemas.microsoft.com/office/drawing/2014/main" id="{5F92AB50-A7B2-6E5C-CA5D-B27987F5DEE5}"/>
-                </a:ext>
-              </a:extLst>
-            </p:cNvPr>
-            <p:cNvGrpSpPr/>
-            <p:nvPr/>
-          </p:nvGrpSpPr>
-          <p:grpSpPr>
-            <a:xfrm>
-              <a:off x="9203677" y="2301526"/>
-              <a:ext cx="2041787" cy="2108489"/>
-              <a:chOff x="9934186" y="2289810"/>
-              <a:chExt cx="2041787" cy="2108489"/>
-            </a:xfrm>
-          </p:grpSpPr>
-          <p:sp>
-            <p:nvSpPr>
-              <p:cNvPr id="75" name="Rectangle 74">
-                <a:extLst>
-                  <a:ext uri="{FF2B5EF4-FFF2-40B4-BE49-F238E27FC236}">
-                    <a16:creationId xmlns:a16="http://schemas.microsoft.com/office/drawing/2014/main" id="{CF940D36-1243-887A-CB6A-1F3BBE1D887A}"/>
-                  </a:ext>
-                </a:extLst>
-              </p:cNvPr>
-              <p:cNvSpPr/>
-              <p:nvPr/>
-            </p:nvSpPr>
-            <p:spPr>
-              <a:xfrm>
-                <a:off x="10126404" y="2702630"/>
-                <a:ext cx="796758" cy="219075"/>
-              </a:xfrm>
-              <a:prstGeom prst="rect">
-                <a:avLst/>
-              </a:prstGeom>
-              <a:solidFill>
-                <a:srgbClr val="C00000"/>
-              </a:solidFill>
-              <a:ln>
-                <a:noFill/>
-              </a:ln>
-            </p:spPr>
-            <p:style>
-              <a:lnRef idx="2">
-                <a:schemeClr val="accent1">
-                  <a:shade val="15000"/>
-                </a:schemeClr>
-              </a:lnRef>
-              <a:fillRef idx="1">
-                <a:schemeClr val="accent1"/>
-              </a:fillRef>
-              <a:effectRef idx="0">
-                <a:schemeClr val="accent1"/>
-              </a:effectRef>
-              <a:fontRef idx="minor">
-                <a:schemeClr val="lt1"/>
-              </a:fontRef>
-            </p:style>
-            <p:txBody>
-              <a:bodyPr rtlCol="0" anchor="ctr"/>
-              <a:lstStyle/>
-              <a:p>
-                <a:pPr algn="ctr"/>
-                <a:r>
-                  <a:rPr lang="en-US" sz="1200" dirty="0">
-                    <a:latin typeface="Open Sans" panose="020B0606030504020204" pitchFamily="34" charset="0"/>
-                    <a:ea typeface="Open Sans" panose="020B0606030504020204" pitchFamily="34" charset="0"/>
-                    <a:cs typeface="Open Sans" panose="020B0606030504020204" pitchFamily="34" charset="0"/>
-                  </a:rPr>
-                  <a:t>Female</a:t>
-                </a:r>
-                <a:endParaRPr lang="en-US" sz="1100" dirty="0">
-                  <a:latin typeface="Open Sans" panose="020B0606030504020204" pitchFamily="34" charset="0"/>
-                  <a:ea typeface="Open Sans" panose="020B0606030504020204" pitchFamily="34" charset="0"/>
-                  <a:cs typeface="Open Sans" panose="020B0606030504020204" pitchFamily="34" charset="0"/>
-                </a:endParaRPr>
-              </a:p>
-            </p:txBody>
-          </p:sp>
-          <p:sp>
-            <p:nvSpPr>
-              <p:cNvPr id="76" name="Rectangle 75">
-                <a:extLst>
-                  <a:ext uri="{FF2B5EF4-FFF2-40B4-BE49-F238E27FC236}">
-                    <a16:creationId xmlns:a16="http://schemas.microsoft.com/office/drawing/2014/main" id="{25B650AA-BC7E-7574-C344-C06F3F326E4A}"/>
-                  </a:ext>
-                </a:extLst>
-              </p:cNvPr>
-              <p:cNvSpPr/>
-              <p:nvPr/>
-            </p:nvSpPr>
-            <p:spPr>
-              <a:xfrm>
-                <a:off x="10126403" y="2972540"/>
-                <a:ext cx="796758" cy="219075"/>
-              </a:xfrm>
-              <a:prstGeom prst="rect">
-                <a:avLst/>
-              </a:prstGeom>
-              <a:solidFill>
-                <a:srgbClr val="002060"/>
-              </a:solidFill>
-              <a:ln>
-                <a:noFill/>
-              </a:ln>
-            </p:spPr>
-            <p:style>
-              <a:lnRef idx="2">
-                <a:schemeClr val="accent1">
-                  <a:shade val="15000"/>
-                </a:schemeClr>
-              </a:lnRef>
-              <a:fillRef idx="1">
-                <a:schemeClr val="accent1"/>
-              </a:fillRef>
-              <a:effectRef idx="0">
-                <a:schemeClr val="accent1"/>
-              </a:effectRef>
-              <a:fontRef idx="minor">
-                <a:schemeClr val="lt1"/>
-              </a:fontRef>
-            </p:style>
-            <p:txBody>
-              <a:bodyPr rtlCol="0" anchor="ctr"/>
-              <a:lstStyle/>
-              <a:p>
-                <a:pPr algn="ctr"/>
-                <a:r>
-                  <a:rPr lang="en-US" sz="1200" dirty="0">
-                    <a:latin typeface="Open Sans" panose="020B0606030504020204" pitchFamily="34" charset="0"/>
-                    <a:ea typeface="Open Sans" panose="020B0606030504020204" pitchFamily="34" charset="0"/>
-                    <a:cs typeface="Open Sans" panose="020B0606030504020204" pitchFamily="34" charset="0"/>
-                  </a:rPr>
-                  <a:t>Male</a:t>
-                </a:r>
-                <a:endParaRPr lang="en-US" sz="1100" dirty="0">
-                  <a:latin typeface="Open Sans" panose="020B0606030504020204" pitchFamily="34" charset="0"/>
-                  <a:ea typeface="Open Sans" panose="020B0606030504020204" pitchFamily="34" charset="0"/>
-                  <a:cs typeface="Open Sans" panose="020B0606030504020204" pitchFamily="34" charset="0"/>
-                </a:endParaRPr>
-              </a:p>
-            </p:txBody>
-          </p:sp>
-          <p:sp>
-            <p:nvSpPr>
-              <p:cNvPr id="77" name="Rectangle 76">
-                <a:extLst>
-                  <a:ext uri="{FF2B5EF4-FFF2-40B4-BE49-F238E27FC236}">
-                    <a16:creationId xmlns:a16="http://schemas.microsoft.com/office/drawing/2014/main" id="{7AA82150-0065-57B2-6037-B9694C63828C}"/>
-                  </a:ext>
-                </a:extLst>
-              </p:cNvPr>
-              <p:cNvSpPr/>
-              <p:nvPr/>
-            </p:nvSpPr>
-            <p:spPr>
-              <a:xfrm>
-                <a:off x="10126402" y="3242450"/>
-                <a:ext cx="796754" cy="219075"/>
-              </a:xfrm>
-              <a:prstGeom prst="rect">
-                <a:avLst/>
-              </a:prstGeom>
-              <a:solidFill>
-                <a:schemeClr val="bg1">
-                  <a:lumMod val="65000"/>
-                </a:schemeClr>
-              </a:solidFill>
-              <a:ln>
-                <a:noFill/>
-              </a:ln>
-            </p:spPr>
-            <p:style>
-              <a:lnRef idx="2">
-                <a:schemeClr val="accent1">
-                  <a:shade val="15000"/>
-                </a:schemeClr>
-              </a:lnRef>
-              <a:fillRef idx="1">
-                <a:schemeClr val="accent1"/>
-              </a:fillRef>
-              <a:effectRef idx="0">
-                <a:schemeClr val="accent1"/>
-              </a:effectRef>
-              <a:fontRef idx="minor">
-                <a:schemeClr val="lt1"/>
-              </a:fontRef>
-            </p:style>
-            <p:txBody>
-              <a:bodyPr rtlCol="0" anchor="ctr"/>
-              <a:lstStyle/>
-              <a:p>
-                <a:pPr algn="ctr"/>
-                <a:r>
-                  <a:rPr lang="en-US" sz="1200" dirty="0">
-                    <a:latin typeface="Open Sans" panose="020B0606030504020204" pitchFamily="34" charset="0"/>
-                    <a:ea typeface="Open Sans" panose="020B0606030504020204" pitchFamily="34" charset="0"/>
-                    <a:cs typeface="Open Sans" panose="020B0606030504020204" pitchFamily="34" charset="0"/>
-                  </a:rPr>
-                  <a:t>Black</a:t>
-                </a:r>
-              </a:p>
-            </p:txBody>
-          </p:sp>
-          <p:sp>
-            <p:nvSpPr>
-              <p:cNvPr id="84" name="Rectangle 83">
-                <a:extLst>
-                  <a:ext uri="{FF2B5EF4-FFF2-40B4-BE49-F238E27FC236}">
-                    <a16:creationId xmlns:a16="http://schemas.microsoft.com/office/drawing/2014/main" id="{69D551A1-0905-107B-E6FF-43FC5EBDC952}"/>
-                  </a:ext>
-                </a:extLst>
-              </p:cNvPr>
-              <p:cNvSpPr/>
-              <p:nvPr/>
-            </p:nvSpPr>
-            <p:spPr>
-              <a:xfrm>
-                <a:off x="10986214" y="3248539"/>
-                <a:ext cx="796758" cy="219075"/>
-              </a:xfrm>
-              <a:prstGeom prst="rect">
-                <a:avLst/>
-              </a:prstGeom>
-              <a:solidFill>
-                <a:schemeClr val="accent4"/>
-              </a:solidFill>
-              <a:ln>
-                <a:noFill/>
-              </a:ln>
-            </p:spPr>
-            <p:style>
-              <a:lnRef idx="2">
-                <a:schemeClr val="accent1">
-                  <a:shade val="15000"/>
-                </a:schemeClr>
-              </a:lnRef>
-              <a:fillRef idx="1">
-                <a:schemeClr val="accent1"/>
-              </a:fillRef>
-              <a:effectRef idx="0">
-                <a:schemeClr val="accent1"/>
-              </a:effectRef>
-              <a:fontRef idx="minor">
-                <a:schemeClr val="lt1"/>
-              </a:fontRef>
-            </p:style>
-            <p:txBody>
-              <a:bodyPr rtlCol="0" anchor="ctr"/>
-              <a:lstStyle/>
-              <a:p>
-                <a:pPr algn="ctr"/>
-                <a:r>
-                  <a:rPr lang="en-US" sz="1100" dirty="0">
-                    <a:latin typeface="Open Sans" panose="020B0606030504020204" pitchFamily="34" charset="0"/>
-                    <a:ea typeface="Open Sans" panose="020B0606030504020204" pitchFamily="34" charset="0"/>
-                    <a:cs typeface="Open Sans" panose="020B0606030504020204" pitchFamily="34" charset="0"/>
-                  </a:rPr>
-                  <a:t>Hispanic</a:t>
-                </a:r>
-              </a:p>
-            </p:txBody>
-          </p:sp>
-          <p:sp>
-            <p:nvSpPr>
-              <p:cNvPr id="85" name="Rectangle 84">
-                <a:extLst>
-                  <a:ext uri="{FF2B5EF4-FFF2-40B4-BE49-F238E27FC236}">
-                    <a16:creationId xmlns:a16="http://schemas.microsoft.com/office/drawing/2014/main" id="{47B01072-ED83-270B-63DB-7D1D71425024}"/>
-                  </a:ext>
-                </a:extLst>
-              </p:cNvPr>
-              <p:cNvSpPr/>
-              <p:nvPr/>
-            </p:nvSpPr>
-            <p:spPr>
-              <a:xfrm>
-                <a:off x="10986219" y="2702630"/>
-                <a:ext cx="796758" cy="219075"/>
-              </a:xfrm>
-              <a:prstGeom prst="rect">
-                <a:avLst/>
-              </a:prstGeom>
-              <a:solidFill>
-                <a:schemeClr val="accent1"/>
-              </a:solidFill>
-              <a:ln>
-                <a:noFill/>
-              </a:ln>
-            </p:spPr>
-            <p:style>
-              <a:lnRef idx="2">
-                <a:schemeClr val="accent1">
-                  <a:shade val="15000"/>
-                </a:schemeClr>
-              </a:lnRef>
-              <a:fillRef idx="1">
-                <a:schemeClr val="accent1"/>
-              </a:fillRef>
-              <a:effectRef idx="0">
-                <a:schemeClr val="accent1"/>
-              </a:effectRef>
-              <a:fontRef idx="minor">
-                <a:schemeClr val="lt1"/>
-              </a:fontRef>
-            </p:style>
-            <p:txBody>
-              <a:bodyPr rtlCol="0" anchor="ctr"/>
-              <a:lstStyle/>
-              <a:p>
-                <a:pPr algn="ctr"/>
-                <a:r>
-                  <a:rPr lang="en-US" sz="1200" dirty="0">
-                    <a:latin typeface="Open Sans" panose="020B0606030504020204" pitchFamily="34" charset="0"/>
-                    <a:ea typeface="Open Sans" panose="020B0606030504020204" pitchFamily="34" charset="0"/>
-                    <a:cs typeface="Open Sans" panose="020B0606030504020204" pitchFamily="34" charset="0"/>
-                  </a:rPr>
-                  <a:t>Asian</a:t>
-                </a:r>
-                <a:endParaRPr lang="en-US" sz="1100" dirty="0">
-                  <a:latin typeface="Open Sans" panose="020B0606030504020204" pitchFamily="34" charset="0"/>
-                  <a:ea typeface="Open Sans" panose="020B0606030504020204" pitchFamily="34" charset="0"/>
-                  <a:cs typeface="Open Sans" panose="020B0606030504020204" pitchFamily="34" charset="0"/>
-                </a:endParaRPr>
-              </a:p>
-            </p:txBody>
-          </p:sp>
-          <p:sp>
-            <p:nvSpPr>
-              <p:cNvPr id="86" name="Rectangle 85">
-                <a:extLst>
-                  <a:ext uri="{FF2B5EF4-FFF2-40B4-BE49-F238E27FC236}">
-                    <a16:creationId xmlns:a16="http://schemas.microsoft.com/office/drawing/2014/main" id="{4D6B78DD-824F-C655-03BA-35D7DC452E5C}"/>
-                  </a:ext>
-                </a:extLst>
-              </p:cNvPr>
-              <p:cNvSpPr/>
-              <p:nvPr/>
-            </p:nvSpPr>
-            <p:spPr>
-              <a:xfrm>
-                <a:off x="10986218" y="2972540"/>
-                <a:ext cx="796754" cy="219075"/>
-              </a:xfrm>
-              <a:prstGeom prst="rect">
-                <a:avLst/>
-              </a:prstGeom>
-              <a:solidFill>
-                <a:schemeClr val="accent6"/>
-              </a:solidFill>
-              <a:ln>
-                <a:noFill/>
-              </a:ln>
-            </p:spPr>
-            <p:style>
-              <a:lnRef idx="2">
-                <a:schemeClr val="accent1">
-                  <a:shade val="15000"/>
-                </a:schemeClr>
-              </a:lnRef>
-              <a:fillRef idx="1">
-                <a:schemeClr val="accent1"/>
-              </a:fillRef>
-              <a:effectRef idx="0">
-                <a:schemeClr val="accent1"/>
-              </a:effectRef>
-              <a:fontRef idx="minor">
-                <a:schemeClr val="lt1"/>
-              </a:fontRef>
-            </p:style>
-            <p:txBody>
-              <a:bodyPr rtlCol="0" anchor="ctr"/>
-              <a:lstStyle/>
-              <a:p>
-                <a:pPr algn="ctr"/>
-                <a:r>
-                  <a:rPr lang="en-US" sz="1200" dirty="0">
-                    <a:latin typeface="Open Sans" panose="020B0606030504020204" pitchFamily="34" charset="0"/>
-                    <a:ea typeface="Open Sans" panose="020B0606030504020204" pitchFamily="34" charset="0"/>
-                    <a:cs typeface="Open Sans" panose="020B0606030504020204" pitchFamily="34" charset="0"/>
-                  </a:rPr>
-                  <a:t>White</a:t>
-                </a:r>
-              </a:p>
-            </p:txBody>
-          </p:sp>
-          <p:sp>
-            <p:nvSpPr>
-              <p:cNvPr id="87" name="Rectangle 86">
-                <a:extLst>
-                  <a:ext uri="{FF2B5EF4-FFF2-40B4-BE49-F238E27FC236}">
-                    <a16:creationId xmlns:a16="http://schemas.microsoft.com/office/drawing/2014/main" id="{7D08D0AA-52CA-F371-552C-EB063466764C}"/>
-                  </a:ext>
-                </a:extLst>
-              </p:cNvPr>
-              <p:cNvSpPr/>
-              <p:nvPr/>
-            </p:nvSpPr>
-            <p:spPr>
-              <a:xfrm>
-                <a:off x="10126402" y="3530904"/>
-                <a:ext cx="1656570" cy="219075"/>
-              </a:xfrm>
-              <a:prstGeom prst="rect">
-                <a:avLst/>
-              </a:prstGeom>
-              <a:solidFill>
-                <a:schemeClr val="bg1">
-                  <a:lumMod val="95000"/>
-                </a:schemeClr>
-              </a:solidFill>
-              <a:ln>
-                <a:noFill/>
-              </a:ln>
-            </p:spPr>
-            <p:style>
-              <a:lnRef idx="2">
-                <a:schemeClr val="accent1">
-                  <a:shade val="15000"/>
-                </a:schemeClr>
-              </a:lnRef>
-              <a:fillRef idx="1">
-                <a:schemeClr val="accent1"/>
-              </a:fillRef>
-              <a:effectRef idx="0">
-                <a:schemeClr val="accent1"/>
-              </a:effectRef>
-              <a:fontRef idx="minor">
-                <a:schemeClr val="lt1"/>
-              </a:fontRef>
-            </p:style>
-            <p:txBody>
-              <a:bodyPr rtlCol="0" anchor="ctr"/>
-              <a:lstStyle/>
-              <a:p>
-                <a:pPr algn="ctr"/>
-                <a:endParaRPr lang="en-US" sz="700" dirty="0">
-                  <a:latin typeface="Open Sans" panose="020B0606030504020204" pitchFamily="34" charset="0"/>
-                  <a:ea typeface="Open Sans" panose="020B0606030504020204" pitchFamily="34" charset="0"/>
-                  <a:cs typeface="Open Sans" panose="020B0606030504020204" pitchFamily="34" charset="0"/>
-                </a:endParaRPr>
-              </a:p>
-            </p:txBody>
-          </p:sp>
-          <p:sp>
-            <p:nvSpPr>
-              <p:cNvPr id="82" name="TextBox 81">
-                <a:extLst>
-                  <a:ext uri="{FF2B5EF4-FFF2-40B4-BE49-F238E27FC236}">
-                    <a16:creationId xmlns:a16="http://schemas.microsoft.com/office/drawing/2014/main" id="{C2EB43E8-5F32-83BD-4703-E7D69D8640F3}"/>
-                  </a:ext>
-                </a:extLst>
-              </p:cNvPr>
-              <p:cNvSpPr txBox="1"/>
-              <p:nvPr/>
-            </p:nvSpPr>
-            <p:spPr>
-              <a:xfrm>
-                <a:off x="10412246" y="3522547"/>
-                <a:ext cx="1084881" cy="261610"/>
-              </a:xfrm>
-              <a:prstGeom prst="rect">
-                <a:avLst/>
-              </a:prstGeom>
-              <a:noFill/>
-            </p:spPr>
-            <p:txBody>
-              <a:bodyPr wrap="square" rtlCol="0">
-                <a:spAutoFit/>
-              </a:bodyPr>
-              <a:lstStyle/>
-              <a:p>
-                <a:pPr algn="ctr"/>
-                <a:r>
-                  <a:rPr lang="en-US" sz="1100" dirty="0">
-                    <a:latin typeface="Open Sans" panose="020B0606030504020204" pitchFamily="34" charset="0"/>
-                    <a:ea typeface="Open Sans" panose="020B0606030504020204" pitchFamily="34" charset="0"/>
-                    <a:cs typeface="Open Sans" panose="020B0606030504020204" pitchFamily="34" charset="0"/>
-                  </a:rPr>
-                  <a:t>Median [IQR]</a:t>
-                </a:r>
-              </a:p>
-            </p:txBody>
-          </p:sp>
-          <p:sp>
-            <p:nvSpPr>
-              <p:cNvPr id="88" name="TextBox 87">
-                <a:extLst>
-                  <a:ext uri="{FF2B5EF4-FFF2-40B4-BE49-F238E27FC236}">
-                    <a16:creationId xmlns:a16="http://schemas.microsoft.com/office/drawing/2014/main" id="{207EBDC2-C8E6-8E04-AE69-8450154FFDFB}"/>
-                  </a:ext>
-                </a:extLst>
-              </p:cNvPr>
-              <p:cNvSpPr txBox="1"/>
-              <p:nvPr/>
-            </p:nvSpPr>
-            <p:spPr>
-              <a:xfrm>
-                <a:off x="10126402" y="3798205"/>
-                <a:ext cx="1656570" cy="400110"/>
-              </a:xfrm>
-              <a:prstGeom prst="rect">
-                <a:avLst/>
-              </a:prstGeom>
-              <a:noFill/>
-            </p:spPr>
-            <p:txBody>
-              <a:bodyPr wrap="square" rtlCol="0">
-                <a:spAutoFit/>
-              </a:bodyPr>
-              <a:lstStyle/>
-              <a:p>
-                <a:pPr algn="ctr"/>
-                <a:r>
-                  <a:rPr lang="en-US" sz="1000" b="1" dirty="0">
-                    <a:latin typeface="Open Sans" panose="020B0606030504020204" pitchFamily="34" charset="0"/>
-                    <a:ea typeface="Open Sans" panose="020B0606030504020204" pitchFamily="34" charset="0"/>
-                    <a:cs typeface="Open Sans" panose="020B0606030504020204" pitchFamily="34" charset="0"/>
-                  </a:rPr>
-                  <a:t>*</a:t>
-                </a:r>
-                <a:r>
-                  <a:rPr lang="en-US" sz="1000" dirty="0">
-                    <a:latin typeface="Open Sans" panose="020B0606030504020204" pitchFamily="34" charset="0"/>
-                    <a:ea typeface="Open Sans" panose="020B0606030504020204" pitchFamily="34" charset="0"/>
-                    <a:cs typeface="Open Sans" panose="020B0606030504020204" pitchFamily="34" charset="0"/>
-                  </a:rPr>
-                  <a:t> Significant difference from previous cohort</a:t>
-                </a:r>
-              </a:p>
-            </p:txBody>
-          </p:sp>
-          <p:sp>
-            <p:nvSpPr>
-              <p:cNvPr id="89" name="TextBox 88">
-                <a:extLst>
-                  <a:ext uri="{FF2B5EF4-FFF2-40B4-BE49-F238E27FC236}">
-                    <a16:creationId xmlns:a16="http://schemas.microsoft.com/office/drawing/2014/main" id="{E857A20C-1383-F5FA-6A30-E7359D5546A8}"/>
-                  </a:ext>
-                </a:extLst>
-              </p:cNvPr>
-              <p:cNvSpPr txBox="1"/>
-              <p:nvPr/>
-            </p:nvSpPr>
-            <p:spPr>
-              <a:xfrm>
-                <a:off x="10126402" y="2405021"/>
-                <a:ext cx="1656570" cy="276999"/>
-              </a:xfrm>
-              <a:prstGeom prst="rect">
-                <a:avLst/>
-              </a:prstGeom>
-              <a:noFill/>
-            </p:spPr>
-            <p:txBody>
-              <a:bodyPr wrap="square" rtlCol="0">
-                <a:spAutoFit/>
-              </a:bodyPr>
-              <a:lstStyle/>
-              <a:p>
-                <a:pPr algn="ctr"/>
-                <a:r>
-                  <a:rPr lang="en-US" sz="1200" b="1" dirty="0">
-                    <a:latin typeface="Open Sans" panose="020B0606030504020204" pitchFamily="34" charset="0"/>
-                    <a:ea typeface="Open Sans" panose="020B0606030504020204" pitchFamily="34" charset="0"/>
-                    <a:cs typeface="Open Sans" panose="020B0606030504020204" pitchFamily="34" charset="0"/>
-                  </a:rPr>
-                  <a:t>Legend</a:t>
-                </a:r>
-                <a:endParaRPr lang="en-US" sz="1000" dirty="0">
-                  <a:latin typeface="Open Sans" panose="020B0606030504020204" pitchFamily="34" charset="0"/>
-                  <a:ea typeface="Open Sans" panose="020B0606030504020204" pitchFamily="34" charset="0"/>
-                  <a:cs typeface="Open Sans" panose="020B0606030504020204" pitchFamily="34" charset="0"/>
-                </a:endParaRPr>
-              </a:p>
-            </p:txBody>
-          </p:sp>
-          <p:sp>
-            <p:nvSpPr>
-              <p:cNvPr id="95" name="Rectangle 94">
-                <a:extLst>
-                  <a:ext uri="{FF2B5EF4-FFF2-40B4-BE49-F238E27FC236}">
-                    <a16:creationId xmlns:a16="http://schemas.microsoft.com/office/drawing/2014/main" id="{6C26194A-2B76-8C05-C791-094DDABBB3CB}"/>
-                  </a:ext>
-                </a:extLst>
-              </p:cNvPr>
-              <p:cNvSpPr/>
-              <p:nvPr/>
-            </p:nvSpPr>
-            <p:spPr>
-              <a:xfrm>
-                <a:off x="9934186" y="2289810"/>
-                <a:ext cx="2041787" cy="2108489"/>
-              </a:xfrm>
-              <a:prstGeom prst="rect">
-                <a:avLst/>
-              </a:prstGeom>
-              <a:noFill/>
-            </p:spPr>
-            <p:style>
-              <a:lnRef idx="2">
-                <a:schemeClr val="accent1">
-                  <a:shade val="15000"/>
-                </a:schemeClr>
-              </a:lnRef>
-              <a:fillRef idx="1">
-                <a:schemeClr val="accent1"/>
-              </a:fillRef>
-              <a:effectRef idx="0">
-                <a:schemeClr val="accent1"/>
-              </a:effectRef>
-              <a:fontRef idx="minor">
-                <a:schemeClr val="lt1"/>
-              </a:fontRef>
-            </p:style>
-            <p:txBody>
-              <a:bodyPr rtlCol="0" anchor="ctr"/>
-              <a:lstStyle/>
-              <a:p>
-                <a:pPr algn="ctr"/>
-                <a:endParaRPr lang="en-US"/>
-              </a:p>
-            </p:txBody>
-          </p:sp>
-        </p:grpSp>
+              <a:r>
+                <a:rPr lang="en-US" sz="1200" b="1">
+                  <a:solidFill>
+                    <a:schemeClr val="bg1"/>
+                  </a:solidFill>
+                  <a:latin typeface="Open Sans" panose="020B0606030504020204" pitchFamily="34" charset="0"/>
+                  <a:ea typeface="Open Sans" panose="020B0606030504020204" pitchFamily="34" charset="0"/>
+                  <a:cs typeface="Open Sans" panose="020B0606030504020204" pitchFamily="34" charset="0"/>
+                </a:rPr>
+                <a:t>21   </a:t>
+              </a:r>
+              <a:r>
+                <a:rPr lang="en-US" sz="1000" b="1">
+                  <a:solidFill>
+                    <a:schemeClr val="bg1"/>
+                  </a:solidFill>
+                  <a:latin typeface="Open Sans" panose="020B0606030504020204" pitchFamily="34" charset="0"/>
+                  <a:ea typeface="Open Sans" panose="020B0606030504020204" pitchFamily="34" charset="0"/>
+                  <a:cs typeface="Open Sans" panose="020B0606030504020204" pitchFamily="34" charset="0"/>
+                </a:rPr>
+                <a:t> </a:t>
+              </a:r>
+              <a:r>
+                <a:rPr lang="en-US" sz="1200" b="1">
+                  <a:solidFill>
+                    <a:schemeClr val="bg1"/>
+                  </a:solidFill>
+                  <a:latin typeface="Open Sans" panose="020B0606030504020204" pitchFamily="34" charset="0"/>
+                  <a:ea typeface="Open Sans" panose="020B0606030504020204" pitchFamily="34" charset="0"/>
+                  <a:cs typeface="Open Sans" panose="020B0606030504020204" pitchFamily="34" charset="0"/>
+                </a:rPr>
+                <a:t>21</a:t>
+              </a:r>
+              <a:endParaRPr lang="en-US" sz="1200" b="1" dirty="0">
+                <a:solidFill>
+                  <a:schemeClr val="bg1"/>
+                </a:solidFill>
+                <a:latin typeface="Open Sans" panose="020B0606030504020204" pitchFamily="34" charset="0"/>
+                <a:ea typeface="Open Sans" panose="020B0606030504020204" pitchFamily="34" charset="0"/>
+                <a:cs typeface="Open Sans" panose="020B0606030504020204" pitchFamily="34" charset="0"/>
+              </a:endParaRPr>
+            </a:p>
+          </p:txBody>
+        </p:sp>
       </p:grpSp>
     </p:spTree>
     <p:extLst>
@@ -7276,9 +8075,9 @@
         <p:grpSpPr>
           <a:xfrm>
             <a:off x="2335846" y="518934"/>
-            <a:ext cx="8909618" cy="5470298"/>
+            <a:ext cx="9703748" cy="5470298"/>
             <a:chOff x="2335846" y="518934"/>
-            <a:chExt cx="8909618" cy="5470298"/>
+            <a:chExt cx="9703748" cy="5470298"/>
           </a:xfrm>
         </p:grpSpPr>
         <p:sp>
@@ -8928,7 +9727,7 @@
           <p:spPr>
             <a:xfrm>
               <a:off x="8625839" y="936040"/>
-              <a:ext cx="770053" cy="261610"/>
+              <a:ext cx="3413755" cy="261610"/>
             </a:xfrm>
             <a:prstGeom prst="rect">
               <a:avLst/>
@@ -8953,8 +9752,33 @@
                   <a:ea typeface="Open Sans" panose="020B0606030504020204" pitchFamily="34" charset="0"/>
                   <a:cs typeface="Open Sans" panose="020B0606030504020204" pitchFamily="34" charset="0"/>
                 </a:rPr>
-                <a:t>Race, %</a:t>
-              </a:r>
+                <a:t>Race, % </a:t>
+              </a:r>
+              <a:r>
+                <a:rPr lang="en-US" sz="1100" dirty="0">
+                  <a:solidFill>
+                    <a:schemeClr val="tx1">
+                      <a:lumMod val="85000"/>
+                      <a:lumOff val="15000"/>
+                    </a:schemeClr>
+                  </a:solidFill>
+                  <a:latin typeface="Open Sans" panose="020B0606030504020204" pitchFamily="34" charset="0"/>
+                  <a:ea typeface="Open Sans" panose="020B0606030504020204" pitchFamily="34" charset="0"/>
+                  <a:cs typeface="Open Sans" panose="020B0606030504020204" pitchFamily="34" charset="0"/>
+                </a:rPr>
+                <a:t>(Black, Hispanic, Asian, White)</a:t>
+              </a:r>
+              <a:endParaRPr lang="en-US" sz="1400" b="1" dirty="0">
+                <a:solidFill>
+                  <a:schemeClr val="tx1">
+                    <a:lumMod val="85000"/>
+                    <a:lumOff val="15000"/>
+                  </a:schemeClr>
+                </a:solidFill>
+                <a:latin typeface="Open Sans" panose="020B0606030504020204" pitchFamily="34" charset="0"/>
+                <a:ea typeface="Open Sans" panose="020B0606030504020204" pitchFamily="34" charset="0"/>
+                <a:cs typeface="Open Sans" panose="020B0606030504020204" pitchFamily="34" charset="0"/>
+              </a:endParaRPr>
             </a:p>
           </p:txBody>
         </p:sp>
@@ -8972,8 +9796,8 @@
           </p:nvSpPr>
           <p:spPr>
             <a:xfrm>
-              <a:off x="8625840" y="699486"/>
-              <a:ext cx="735328" cy="261610"/>
+              <a:off x="8625839" y="699486"/>
+              <a:ext cx="2380903" cy="261610"/>
             </a:xfrm>
             <a:prstGeom prst="rect">
               <a:avLst/>
@@ -8998,8 +9822,33 @@
                   <a:ea typeface="Open Sans" panose="020B0606030504020204" pitchFamily="34" charset="0"/>
                   <a:cs typeface="Open Sans" panose="020B0606030504020204" pitchFamily="34" charset="0"/>
                 </a:rPr>
-                <a:t>Sex, %</a:t>
-              </a:r>
+                <a:t>Sex, % </a:t>
+              </a:r>
+              <a:r>
+                <a:rPr lang="en-US" sz="1100" dirty="0">
+                  <a:solidFill>
+                    <a:schemeClr val="tx1">
+                      <a:lumMod val="85000"/>
+                      <a:lumOff val="15000"/>
+                    </a:schemeClr>
+                  </a:solidFill>
+                  <a:latin typeface="Open Sans" panose="020B0606030504020204" pitchFamily="34" charset="0"/>
+                  <a:ea typeface="Open Sans" panose="020B0606030504020204" pitchFamily="34" charset="0"/>
+                  <a:cs typeface="Open Sans" panose="020B0606030504020204" pitchFamily="34" charset="0"/>
+                </a:rPr>
+                <a:t>(Female, Male)</a:t>
+              </a:r>
+              <a:endParaRPr lang="en-US" sz="1100" b="1" dirty="0">
+                <a:solidFill>
+                  <a:schemeClr val="tx1">
+                    <a:lumMod val="85000"/>
+                    <a:lumOff val="15000"/>
+                  </a:schemeClr>
+                </a:solidFill>
+                <a:latin typeface="Open Sans" panose="020B0606030504020204" pitchFamily="34" charset="0"/>
+                <a:ea typeface="Open Sans" panose="020B0606030504020204" pitchFamily="34" charset="0"/>
+                <a:cs typeface="Open Sans" panose="020B0606030504020204" pitchFamily="34" charset="0"/>
+              </a:endParaRPr>
             </a:p>
           </p:txBody>
         </p:sp>
